--- a/Slides/Lesson 6.3 From Templates to Folds.pptx
+++ b/Slides/Lesson 6.3 From Templates to Folds.pptx
@@ -232,7 +232,7 @@
           <a:p>
             <a:fld id="{1AC50D25-69DA-4251-A3B1-10895C6A89D6}" type="datetimeFigureOut">
               <a:rPr lang="en-US" smtClean="0"/>
-              <a:t>8/31/2015</a:t>
+              <a:t>10/13/2015</a:t>
             </a:fld>
             <a:endParaRPr lang="en-US"/>
           </a:p>
@@ -1020,7 +1020,7 @@
           <a:p>
             <a:fld id="{2F1F79F5-7BEC-496A-AFC7-876E38F64D71}" type="datetime1">
               <a:rPr lang="en-US" smtClean="0"/>
-              <a:t>8/31/2015</a:t>
+              <a:t>10/13/2015</a:t>
             </a:fld>
             <a:endParaRPr lang="en-US"/>
           </a:p>
@@ -1122,7 +1122,7 @@
           <a:p>
             <a:fld id="{0A05703A-7669-4FEA-9056-25299B4D29D4}" type="datetime1">
               <a:rPr lang="en-US" smtClean="0"/>
-              <a:t>8/31/2015</a:t>
+              <a:t>10/13/2015</a:t>
             </a:fld>
             <a:endParaRPr lang="en-US"/>
           </a:p>
@@ -1399,7 +1399,7 @@
           <a:p>
             <a:fld id="{6E5077B5-BB57-49DB-88CA-226A139E5C01}" type="datetime1">
               <a:rPr lang="en-US" smtClean="0"/>
-              <a:t>8/31/2015</a:t>
+              <a:t>10/13/2015</a:t>
             </a:fld>
             <a:endParaRPr lang="en-US"/>
           </a:p>
@@ -1652,7 +1652,7 @@
           <a:p>
             <a:fld id="{C48D9447-CBD6-49A1-89FD-8512A8CF8999}" type="datetime1">
               <a:rPr lang="en-US" smtClean="0"/>
-              <a:t>8/31/2015</a:t>
+              <a:t>10/13/2015</a:t>
             </a:fld>
             <a:endParaRPr lang="en-US"/>
           </a:p>
@@ -1822,7 +1822,7 @@
           <a:p>
             <a:fld id="{A3639A2A-823D-48B7-9ACE-7FAF42870BA9}" type="datetime1">
               <a:rPr lang="en-US" smtClean="0"/>
-              <a:t>8/31/2015</a:t>
+              <a:t>10/13/2015</a:t>
             </a:fld>
             <a:endParaRPr lang="en-US"/>
           </a:p>
@@ -2002,7 +2002,7 @@
           <a:p>
             <a:fld id="{ED1B6996-82E9-463C-972C-7B56056E426C}" type="datetime1">
               <a:rPr lang="en-US" smtClean="0"/>
-              <a:t>8/31/2015</a:t>
+              <a:t>10/13/2015</a:t>
             </a:fld>
             <a:endParaRPr lang="en-US"/>
           </a:p>
@@ -2185,7 +2185,7 @@
           <a:p>
             <a:fld id="{E22ED4DA-448D-4BB1-B935-CC112220207B}" type="datetime1">
               <a:rPr lang="en-US" smtClean="0"/>
-              <a:t>8/31/2015</a:t>
+              <a:t>10/13/2015</a:t>
             </a:fld>
             <a:endParaRPr lang="en-US"/>
           </a:p>
@@ -2367,7 +2367,7 @@
           <a:p>
             <a:fld id="{E22ED4DA-448D-4BB1-B935-CC112220207B}" type="datetime1">
               <a:rPr lang="en-US" smtClean="0"/>
-              <a:t>8/31/2015</a:t>
+              <a:t>10/13/2015</a:t>
             </a:fld>
             <a:endParaRPr lang="en-US"/>
           </a:p>
@@ -2636,7 +2636,7 @@
           <a:p>
             <a:fld id="{FF5D65A6-AB94-4435-B0B7-3743215FA46C}" type="datetime1">
               <a:rPr lang="en-US" smtClean="0"/>
-              <a:t>8/31/2015</a:t>
+              <a:t>10/13/2015</a:t>
             </a:fld>
             <a:endParaRPr lang="en-US"/>
           </a:p>
@@ -2821,7 +2821,7 @@
           <a:p>
             <a:fld id="{FF5D65A6-AB94-4435-B0B7-3743215FA46C}" type="datetime1">
               <a:rPr lang="en-US" smtClean="0"/>
-              <a:t>8/31/2015</a:t>
+              <a:t>10/13/2015</a:t>
             </a:fld>
             <a:endParaRPr lang="en-US"/>
           </a:p>
@@ -3123,7 +3123,7 @@
           <a:p>
             <a:fld id="{7C193DC4-6EF0-48C9-B29C-616106A645E1}" type="datetime1">
               <a:rPr lang="en-US" smtClean="0"/>
-              <a:t>8/31/2015</a:t>
+              <a:t>10/13/2015</a:t>
             </a:fld>
             <a:endParaRPr lang="en-US"/>
           </a:p>
@@ -3411,7 +3411,7 @@
           <a:p>
             <a:fld id="{5D1846AD-9252-4647-9435-4C2AC365653A}" type="datetime1">
               <a:rPr lang="en-US" smtClean="0"/>
-              <a:t>8/31/2015</a:t>
+              <a:t>10/13/2015</a:t>
             </a:fld>
             <a:endParaRPr lang="en-US"/>
           </a:p>
@@ -3833,7 +3833,7 @@
           <a:p>
             <a:fld id="{CE56DC10-3561-4063-A6AF-C1CC7A41040A}" type="datetime1">
               <a:rPr lang="en-US" smtClean="0"/>
-              <a:t>8/31/2015</a:t>
+              <a:t>10/13/2015</a:t>
             </a:fld>
             <a:endParaRPr lang="en-US"/>
           </a:p>
@@ -3951,7 +3951,7 @@
           <a:p>
             <a:fld id="{2F7B77F5-1464-4F6B-92A8-64FC8A508293}" type="datetime1">
               <a:rPr lang="en-US" smtClean="0"/>
-              <a:t>8/31/2015</a:t>
+              <a:t>10/13/2015</a:t>
             </a:fld>
             <a:endParaRPr lang="en-US"/>
           </a:p>
@@ -4183,7 +4183,7 @@
           <a:p>
             <a:fld id="{02B3F677-983B-48DB-ADFD-63FE6CBC7FB2}" type="datetime1">
               <a:rPr lang="en-US" smtClean="0"/>
-              <a:t>8/31/2015</a:t>
+              <a:t>10/13/2015</a:t>
             </a:fld>
             <a:endParaRPr lang="en-US"/>
           </a:p>
@@ -5364,14 +5364,47 @@
                 <a:latin typeface="Consolas" pitchFamily="49" charset="0"/>
                 <a:cs typeface="Consolas" pitchFamily="49" charset="0"/>
               </a:rPr>
-              <a:t> person (name father mother</a:t>
-            </a:r>
+              <a:t> person (name father mother))</a:t>
+            </a:r>
+          </a:p>
+          <a:p>
+            <a:pPr>
+              <a:buNone/>
+            </a:pPr>
             <a:r>
               <a:rPr lang="en-US" b="1" dirty="0" smtClean="0">
                 <a:latin typeface="Consolas" pitchFamily="49" charset="0"/>
                 <a:cs typeface="Consolas" pitchFamily="49" charset="0"/>
               </a:rPr>
-              <a:t>))</a:t>
+              <a:t>(define-</a:t>
+            </a:r>
+            <a:r>
+              <a:rPr lang="en-US" b="1" dirty="0" err="1" smtClean="0">
+                <a:latin typeface="Consolas" pitchFamily="49" charset="0"/>
+                <a:cs typeface="Consolas" pitchFamily="49" charset="0"/>
+              </a:rPr>
+              <a:t>struct</a:t>
+            </a:r>
+            <a:r>
+              <a:rPr lang="en-US" b="1" dirty="0" smtClean="0">
+                <a:latin typeface="Consolas" pitchFamily="49" charset="0"/>
+                <a:cs typeface="Consolas" pitchFamily="49" charset="0"/>
+              </a:rPr>
+              <a:t> </a:t>
+            </a:r>
+            <a:r>
+              <a:rPr lang="en-US" b="1" dirty="0" err="1" smtClean="0">
+                <a:latin typeface="Consolas" pitchFamily="49" charset="0"/>
+                <a:cs typeface="Consolas" pitchFamily="49" charset="0"/>
+              </a:rPr>
+              <a:t>adam</a:t>
+            </a:r>
+            <a:r>
+              <a:rPr lang="en-US" b="1" dirty="0" smtClean="0">
+                <a:latin typeface="Consolas" pitchFamily="49" charset="0"/>
+                <a:cs typeface="Consolas" pitchFamily="49" charset="0"/>
+              </a:rPr>
+              <a:t> ())</a:t>
             </a:r>
           </a:p>
           <a:p>
@@ -5397,52 +5430,8 @@
                 <a:latin typeface="Consolas" pitchFamily="49" charset="0"/>
                 <a:cs typeface="Consolas" pitchFamily="49" charset="0"/>
               </a:rPr>
-              <a:t> </a:t>
-            </a:r>
-            <a:r>
-              <a:rPr lang="en-US" b="1" dirty="0" err="1" smtClean="0">
-                <a:latin typeface="Consolas" pitchFamily="49" charset="0"/>
-                <a:cs typeface="Consolas" pitchFamily="49" charset="0"/>
-              </a:rPr>
-              <a:t>adam</a:t>
-            </a:r>
-            <a:r>
-              <a:rPr lang="en-US" b="1" dirty="0" smtClean="0">
-                <a:latin typeface="Consolas" pitchFamily="49" charset="0"/>
-                <a:cs typeface="Consolas" pitchFamily="49" charset="0"/>
-              </a:rPr>
-              <a:t> ())</a:t>
-            </a:r>
-          </a:p>
-          <a:p>
-            <a:pPr>
-              <a:buNone/>
-            </a:pPr>
-            <a:r>
-              <a:rPr lang="en-US" b="1" dirty="0" smtClean="0">
-                <a:latin typeface="Consolas" pitchFamily="49" charset="0"/>
-                <a:cs typeface="Consolas" pitchFamily="49" charset="0"/>
-              </a:rPr>
-              <a:t>(define-</a:t>
-            </a:r>
-            <a:r>
-              <a:rPr lang="en-US" b="1" dirty="0" err="1" smtClean="0">
-                <a:latin typeface="Consolas" pitchFamily="49" charset="0"/>
-                <a:cs typeface="Consolas" pitchFamily="49" charset="0"/>
-              </a:rPr>
-              <a:t>struct</a:t>
-            </a:r>
-            <a:r>
-              <a:rPr lang="en-US" b="1" dirty="0" smtClean="0">
-                <a:latin typeface="Consolas" pitchFamily="49" charset="0"/>
-                <a:cs typeface="Consolas" pitchFamily="49" charset="0"/>
-              </a:rPr>
               <a:t> eve  ())</a:t>
             </a:r>
-            <a:endParaRPr lang="en-US" b="1" dirty="0" smtClean="0">
-              <a:latin typeface="Consolas" pitchFamily="49" charset="0"/>
-              <a:cs typeface="Consolas" pitchFamily="49" charset="0"/>
-            </a:endParaRPr>
           </a:p>
           <a:p>
             <a:pPr>
@@ -5491,33 +5480,34 @@
                 <a:latin typeface="Consolas" pitchFamily="49" charset="0"/>
                 <a:cs typeface="Consolas" pitchFamily="49" charset="0"/>
               </a:rPr>
-              <a:t>;; </a:t>
+              <a:t>;; -- (make-</a:t>
+            </a:r>
+            <a:r>
+              <a:rPr lang="en-US" b="1" dirty="0" err="1" smtClean="0">
+                <a:latin typeface="Consolas" pitchFamily="49" charset="0"/>
+                <a:cs typeface="Consolas" pitchFamily="49" charset="0"/>
+              </a:rPr>
+              <a:t>adam</a:t>
             </a:r>
             <a:r>
               <a:rPr lang="en-US" b="1" dirty="0" smtClean="0">
                 <a:latin typeface="Consolas" pitchFamily="49" charset="0"/>
                 <a:cs typeface="Consolas" pitchFamily="49" charset="0"/>
               </a:rPr>
-              <a:t>-- (make-</a:t>
-            </a:r>
-            <a:r>
-              <a:rPr lang="en-US" b="1" dirty="0" err="1" smtClean="0">
-                <a:latin typeface="Consolas" pitchFamily="49" charset="0"/>
-                <a:cs typeface="Consolas" pitchFamily="49" charset="0"/>
-              </a:rPr>
-              <a:t>adam</a:t>
-            </a:r>
+              <a:t>)</a:t>
+            </a:r>
+          </a:p>
+          <a:p>
+            <a:pPr>
+              <a:buNone/>
+            </a:pPr>
             <a:r>
               <a:rPr lang="en-US" b="1" dirty="0" smtClean="0">
                 <a:latin typeface="Consolas" pitchFamily="49" charset="0"/>
                 <a:cs typeface="Consolas" pitchFamily="49" charset="0"/>
               </a:rPr>
-              <a:t>)</a:t>
-            </a:r>
-            <a:endParaRPr lang="en-US" b="1" dirty="0" smtClean="0">
-              <a:latin typeface="Consolas" pitchFamily="49" charset="0"/>
-              <a:cs typeface="Consolas" pitchFamily="49" charset="0"/>
-            </a:endParaRPr>
+              <a:t>;; -- (make-eve)</a:t>
+            </a:r>
           </a:p>
           <a:p>
             <a:pPr>
@@ -5528,44 +5518,7 @@
                 <a:latin typeface="Consolas" pitchFamily="49" charset="0"/>
                 <a:cs typeface="Consolas" pitchFamily="49" charset="0"/>
               </a:rPr>
-              <a:t>;; </a:t>
-            </a:r>
-            <a:r>
-              <a:rPr lang="en-US" b="1" dirty="0" smtClean="0">
-                <a:latin typeface="Consolas" pitchFamily="49" charset="0"/>
-                <a:cs typeface="Consolas" pitchFamily="49" charset="0"/>
-              </a:rPr>
-              <a:t>-- (make-eve)</a:t>
-            </a:r>
-            <a:endParaRPr lang="en-US" b="1" dirty="0" smtClean="0">
-              <a:latin typeface="Consolas" pitchFamily="49" charset="0"/>
-              <a:cs typeface="Consolas" pitchFamily="49" charset="0"/>
-            </a:endParaRPr>
-          </a:p>
-          <a:p>
-            <a:pPr>
-              <a:buNone/>
-            </a:pPr>
-            <a:r>
-              <a:rPr lang="en-US" b="1" dirty="0" smtClean="0">
-                <a:latin typeface="Consolas" pitchFamily="49" charset="0"/>
-                <a:cs typeface="Consolas" pitchFamily="49" charset="0"/>
-              </a:rPr>
-              <a:t>;; </a:t>
-            </a:r>
-            <a:r>
-              <a:rPr lang="en-US" b="1" dirty="0" smtClean="0">
-                <a:latin typeface="Consolas" pitchFamily="49" charset="0"/>
-                <a:cs typeface="Consolas" pitchFamily="49" charset="0"/>
-              </a:rPr>
-              <a:t>-- (</a:t>
-            </a:r>
-            <a:r>
-              <a:rPr lang="en-US" b="1" dirty="0" smtClean="0">
-                <a:latin typeface="Consolas" pitchFamily="49" charset="0"/>
-                <a:cs typeface="Consolas" pitchFamily="49" charset="0"/>
-              </a:rPr>
-              <a:t>make-person String </a:t>
+              <a:t>;; -- (make-person String </a:t>
             </a:r>
             <a:r>
               <a:rPr lang="en-US" b="1" dirty="0" smtClean="0">
@@ -9545,7 +9498,15 @@
             </a:pPr>
             <a:r>
               <a:rPr lang="en-US" dirty="0"/>
-              <a:t>Last week, we saw how the built-in list abstractions, like </a:t>
+              <a:t>Last week, we saw how the built-in </a:t>
+            </a:r>
+            <a:r>
+              <a:rPr lang="en-US" dirty="0" smtClean="0"/>
+              <a:t>mapping functions on lists, </a:t>
+            </a:r>
+            <a:r>
+              <a:rPr lang="en-US" dirty="0"/>
+              <a:t>like </a:t>
             </a:r>
             <a:r>
               <a:rPr lang="en-US" b="1" dirty="0"/>

--- a/Slides/Lesson 6.3 From Templates to Folds.pptx
+++ b/Slides/Lesson 6.3 From Templates to Folds.pptx
@@ -232,7 +232,7 @@
           <a:p>
             <a:fld id="{1AC50D25-69DA-4251-A3B1-10895C6A89D6}" type="datetimeFigureOut">
               <a:rPr lang="en-US" smtClean="0"/>
-              <a:t>10/13/2015</a:t>
+              <a:t>10/17/2015</a:t>
             </a:fld>
             <a:endParaRPr lang="en-US"/>
           </a:p>
@@ -1020,7 +1020,7 @@
           <a:p>
             <a:fld id="{2F1F79F5-7BEC-496A-AFC7-876E38F64D71}" type="datetime1">
               <a:rPr lang="en-US" smtClean="0"/>
-              <a:t>10/13/2015</a:t>
+              <a:t>10/17/2015</a:t>
             </a:fld>
             <a:endParaRPr lang="en-US"/>
           </a:p>
@@ -1122,7 +1122,7 @@
           <a:p>
             <a:fld id="{0A05703A-7669-4FEA-9056-25299B4D29D4}" type="datetime1">
               <a:rPr lang="en-US" smtClean="0"/>
-              <a:t>10/13/2015</a:t>
+              <a:t>10/17/2015</a:t>
             </a:fld>
             <a:endParaRPr lang="en-US"/>
           </a:p>
@@ -1399,7 +1399,7 @@
           <a:p>
             <a:fld id="{6E5077B5-BB57-49DB-88CA-226A139E5C01}" type="datetime1">
               <a:rPr lang="en-US" smtClean="0"/>
-              <a:t>10/13/2015</a:t>
+              <a:t>10/17/2015</a:t>
             </a:fld>
             <a:endParaRPr lang="en-US"/>
           </a:p>
@@ -1652,7 +1652,7 @@
           <a:p>
             <a:fld id="{C48D9447-CBD6-49A1-89FD-8512A8CF8999}" type="datetime1">
               <a:rPr lang="en-US" smtClean="0"/>
-              <a:t>10/13/2015</a:t>
+              <a:t>10/17/2015</a:t>
             </a:fld>
             <a:endParaRPr lang="en-US"/>
           </a:p>
@@ -1822,7 +1822,7 @@
           <a:p>
             <a:fld id="{A3639A2A-823D-48B7-9ACE-7FAF42870BA9}" type="datetime1">
               <a:rPr lang="en-US" smtClean="0"/>
-              <a:t>10/13/2015</a:t>
+              <a:t>10/17/2015</a:t>
             </a:fld>
             <a:endParaRPr lang="en-US"/>
           </a:p>
@@ -2002,7 +2002,7 @@
           <a:p>
             <a:fld id="{ED1B6996-82E9-463C-972C-7B56056E426C}" type="datetime1">
               <a:rPr lang="en-US" smtClean="0"/>
-              <a:t>10/13/2015</a:t>
+              <a:t>10/17/2015</a:t>
             </a:fld>
             <a:endParaRPr lang="en-US"/>
           </a:p>
@@ -2185,7 +2185,7 @@
           <a:p>
             <a:fld id="{E22ED4DA-448D-4BB1-B935-CC112220207B}" type="datetime1">
               <a:rPr lang="en-US" smtClean="0"/>
-              <a:t>10/13/2015</a:t>
+              <a:t>10/17/2015</a:t>
             </a:fld>
             <a:endParaRPr lang="en-US"/>
           </a:p>
@@ -2367,7 +2367,7 @@
           <a:p>
             <a:fld id="{E22ED4DA-448D-4BB1-B935-CC112220207B}" type="datetime1">
               <a:rPr lang="en-US" smtClean="0"/>
-              <a:t>10/13/2015</a:t>
+              <a:t>10/17/2015</a:t>
             </a:fld>
             <a:endParaRPr lang="en-US"/>
           </a:p>
@@ -2636,7 +2636,7 @@
           <a:p>
             <a:fld id="{FF5D65A6-AB94-4435-B0B7-3743215FA46C}" type="datetime1">
               <a:rPr lang="en-US" smtClean="0"/>
-              <a:t>10/13/2015</a:t>
+              <a:t>10/17/2015</a:t>
             </a:fld>
             <a:endParaRPr lang="en-US"/>
           </a:p>
@@ -2821,7 +2821,7 @@
           <a:p>
             <a:fld id="{FF5D65A6-AB94-4435-B0B7-3743215FA46C}" type="datetime1">
               <a:rPr lang="en-US" smtClean="0"/>
-              <a:t>10/13/2015</a:t>
+              <a:t>10/17/2015</a:t>
             </a:fld>
             <a:endParaRPr lang="en-US"/>
           </a:p>
@@ -3123,7 +3123,7 @@
           <a:p>
             <a:fld id="{7C193DC4-6EF0-48C9-B29C-616106A645E1}" type="datetime1">
               <a:rPr lang="en-US" smtClean="0"/>
-              <a:t>10/13/2015</a:t>
+              <a:t>10/17/2015</a:t>
             </a:fld>
             <a:endParaRPr lang="en-US"/>
           </a:p>
@@ -3411,7 +3411,7 @@
           <a:p>
             <a:fld id="{5D1846AD-9252-4647-9435-4C2AC365653A}" type="datetime1">
               <a:rPr lang="en-US" smtClean="0"/>
-              <a:t>10/13/2015</a:t>
+              <a:t>10/17/2015</a:t>
             </a:fld>
             <a:endParaRPr lang="en-US"/>
           </a:p>
@@ -3833,7 +3833,7 @@
           <a:p>
             <a:fld id="{CE56DC10-3561-4063-A6AF-C1CC7A41040A}" type="datetime1">
               <a:rPr lang="en-US" smtClean="0"/>
-              <a:t>10/13/2015</a:t>
+              <a:t>10/17/2015</a:t>
             </a:fld>
             <a:endParaRPr lang="en-US"/>
           </a:p>
@@ -3951,7 +3951,7 @@
           <a:p>
             <a:fld id="{2F7B77F5-1464-4F6B-92A8-64FC8A508293}" type="datetime1">
               <a:rPr lang="en-US" smtClean="0"/>
-              <a:t>10/13/2015</a:t>
+              <a:t>10/17/2015</a:t>
             </a:fld>
             <a:endParaRPr lang="en-US"/>
           </a:p>
@@ -4183,7 +4183,7 @@
           <a:p>
             <a:fld id="{02B3F677-983B-48DB-ADFD-63FE6CBC7FB2}" type="datetime1">
               <a:rPr lang="en-US" smtClean="0"/>
-              <a:t>10/13/2015</a:t>
+              <a:t>10/17/2015</a:t>
             </a:fld>
             <a:endParaRPr lang="en-US"/>
           </a:p>
@@ -14355,28 +14355,28 @@
               <a:t>(leaf-datum t) </a:t>
             </a:r>
             <a:r>
+              <a:rPr lang="en-US" sz="1400" smtClean="0">
+                <a:solidFill>
+                  <a:schemeClr val="tx1"/>
+                </a:solidFill>
+              </a:rPr>
+              <a:t>returns </a:t>
+            </a:r>
+            <a:r>
+              <a:rPr lang="en-US" sz="1400" smtClean="0">
+                <a:solidFill>
+                  <a:schemeClr val="tx1"/>
+                </a:solidFill>
+              </a:rPr>
+              <a:t>a </a:t>
+            </a:r>
+            <a:r>
               <a:rPr lang="en-US" sz="1400" dirty="0" smtClean="0">
                 <a:solidFill>
                   <a:schemeClr val="tx1"/>
                 </a:solidFill>
               </a:rPr>
-              <a:t>returns </a:t>
-            </a:r>
-            <a:r>
-              <a:rPr lang="en-US" sz="1400" dirty="0" err="1" smtClean="0">
-                <a:solidFill>
-                  <a:schemeClr val="tx1"/>
-                </a:solidFill>
-              </a:rPr>
-              <a:t>returns</a:t>
-            </a:r>
-            <a:r>
-              <a:rPr lang="en-US" sz="1400" dirty="0" smtClean="0">
-                <a:solidFill>
-                  <a:schemeClr val="tx1"/>
-                </a:solidFill>
-              </a:rPr>
-              <a:t> a number, and  </a:t>
+              <a:t>number, and  </a:t>
             </a:r>
           </a:p>
           <a:p>

--- a/Slides/Lesson 6.3 From Templates to Folds.pptx
+++ b/Slides/Lesson 6.3 From Templates to Folds.pptx
@@ -232,7 +232,7 @@
           <a:p>
             <a:fld id="{1AC50D25-69DA-4251-A3B1-10895C6A89D6}" type="datetimeFigureOut">
               <a:rPr lang="en-US" smtClean="0"/>
-              <a:t>10/17/2015</a:t>
+              <a:t>10/19/2015</a:t>
             </a:fld>
             <a:endParaRPr lang="en-US"/>
           </a:p>
@@ -1020,7 +1020,7 @@
           <a:p>
             <a:fld id="{2F1F79F5-7BEC-496A-AFC7-876E38F64D71}" type="datetime1">
               <a:rPr lang="en-US" smtClean="0"/>
-              <a:t>10/17/2015</a:t>
+              <a:t>10/19/2015</a:t>
             </a:fld>
             <a:endParaRPr lang="en-US"/>
           </a:p>
@@ -1122,7 +1122,7 @@
           <a:p>
             <a:fld id="{0A05703A-7669-4FEA-9056-25299B4D29D4}" type="datetime1">
               <a:rPr lang="en-US" smtClean="0"/>
-              <a:t>10/17/2015</a:t>
+              <a:t>10/19/2015</a:t>
             </a:fld>
             <a:endParaRPr lang="en-US"/>
           </a:p>
@@ -1399,7 +1399,7 @@
           <a:p>
             <a:fld id="{6E5077B5-BB57-49DB-88CA-226A139E5C01}" type="datetime1">
               <a:rPr lang="en-US" smtClean="0"/>
-              <a:t>10/17/2015</a:t>
+              <a:t>10/19/2015</a:t>
             </a:fld>
             <a:endParaRPr lang="en-US"/>
           </a:p>
@@ -1652,7 +1652,7 @@
           <a:p>
             <a:fld id="{C48D9447-CBD6-49A1-89FD-8512A8CF8999}" type="datetime1">
               <a:rPr lang="en-US" smtClean="0"/>
-              <a:t>10/17/2015</a:t>
+              <a:t>10/19/2015</a:t>
             </a:fld>
             <a:endParaRPr lang="en-US"/>
           </a:p>
@@ -1822,7 +1822,7 @@
           <a:p>
             <a:fld id="{A3639A2A-823D-48B7-9ACE-7FAF42870BA9}" type="datetime1">
               <a:rPr lang="en-US" smtClean="0"/>
-              <a:t>10/17/2015</a:t>
+              <a:t>10/19/2015</a:t>
             </a:fld>
             <a:endParaRPr lang="en-US"/>
           </a:p>
@@ -2002,7 +2002,7 @@
           <a:p>
             <a:fld id="{ED1B6996-82E9-463C-972C-7B56056E426C}" type="datetime1">
               <a:rPr lang="en-US" smtClean="0"/>
-              <a:t>10/17/2015</a:t>
+              <a:t>10/19/2015</a:t>
             </a:fld>
             <a:endParaRPr lang="en-US"/>
           </a:p>
@@ -2185,7 +2185,7 @@
           <a:p>
             <a:fld id="{E22ED4DA-448D-4BB1-B935-CC112220207B}" type="datetime1">
               <a:rPr lang="en-US" smtClean="0"/>
-              <a:t>10/17/2015</a:t>
+              <a:t>10/19/2015</a:t>
             </a:fld>
             <a:endParaRPr lang="en-US"/>
           </a:p>
@@ -2367,7 +2367,7 @@
           <a:p>
             <a:fld id="{E22ED4DA-448D-4BB1-B935-CC112220207B}" type="datetime1">
               <a:rPr lang="en-US" smtClean="0"/>
-              <a:t>10/17/2015</a:t>
+              <a:t>10/19/2015</a:t>
             </a:fld>
             <a:endParaRPr lang="en-US"/>
           </a:p>
@@ -2636,7 +2636,7 @@
           <a:p>
             <a:fld id="{FF5D65A6-AB94-4435-B0B7-3743215FA46C}" type="datetime1">
               <a:rPr lang="en-US" smtClean="0"/>
-              <a:t>10/17/2015</a:t>
+              <a:t>10/19/2015</a:t>
             </a:fld>
             <a:endParaRPr lang="en-US"/>
           </a:p>
@@ -2821,7 +2821,7 @@
           <a:p>
             <a:fld id="{FF5D65A6-AB94-4435-B0B7-3743215FA46C}" type="datetime1">
               <a:rPr lang="en-US" smtClean="0"/>
-              <a:t>10/17/2015</a:t>
+              <a:t>10/19/2015</a:t>
             </a:fld>
             <a:endParaRPr lang="en-US"/>
           </a:p>
@@ -3123,7 +3123,7 @@
           <a:p>
             <a:fld id="{7C193DC4-6EF0-48C9-B29C-616106A645E1}" type="datetime1">
               <a:rPr lang="en-US" smtClean="0"/>
-              <a:t>10/17/2015</a:t>
+              <a:t>10/19/2015</a:t>
             </a:fld>
             <a:endParaRPr lang="en-US"/>
           </a:p>
@@ -3411,7 +3411,7 @@
           <a:p>
             <a:fld id="{5D1846AD-9252-4647-9435-4C2AC365653A}" type="datetime1">
               <a:rPr lang="en-US" smtClean="0"/>
-              <a:t>10/17/2015</a:t>
+              <a:t>10/19/2015</a:t>
             </a:fld>
             <a:endParaRPr lang="en-US"/>
           </a:p>
@@ -3833,7 +3833,7 @@
           <a:p>
             <a:fld id="{CE56DC10-3561-4063-A6AF-C1CC7A41040A}" type="datetime1">
               <a:rPr lang="en-US" smtClean="0"/>
-              <a:t>10/17/2015</a:t>
+              <a:t>10/19/2015</a:t>
             </a:fld>
             <a:endParaRPr lang="en-US"/>
           </a:p>
@@ -3951,7 +3951,7 @@
           <a:p>
             <a:fld id="{2F7B77F5-1464-4F6B-92A8-64FC8A508293}" type="datetime1">
               <a:rPr lang="en-US" smtClean="0"/>
-              <a:t>10/17/2015</a:t>
+              <a:t>10/19/2015</a:t>
             </a:fld>
             <a:endParaRPr lang="en-US"/>
           </a:p>
@@ -4183,7 +4183,7 @@
           <a:p>
             <a:fld id="{02B3F677-983B-48DB-ADFD-63FE6CBC7FB2}" type="datetime1">
               <a:rPr lang="en-US" smtClean="0"/>
-              <a:t>10/17/2015</a:t>
+              <a:t>10/19/2015</a:t>
             </a:fld>
             <a:endParaRPr lang="en-US"/>
           </a:p>
@@ -4887,7 +4887,7 @@
             <a:r>
               <a:rPr lang="en-US" sz="2000" b="1" dirty="0" smtClean="0">
                 <a:solidFill>
-                  <a:schemeClr val="accent3"/>
+                  <a:srgbClr val="558ED5"/>
                 </a:solidFill>
                 <a:latin typeface="Consolas" pitchFamily="49" charset="0"/>
                 <a:cs typeface="Consolas" pitchFamily="49" charset="0"/>
@@ -4954,7 +4954,7 @@
             <a:r>
               <a:rPr lang="en-US" sz="2000" b="1" dirty="0" smtClean="0">
                 <a:solidFill>
-                  <a:schemeClr val="accent3"/>
+                  <a:srgbClr val="558ED5"/>
                 </a:solidFill>
                 <a:latin typeface="Consolas" pitchFamily="49" charset="0"/>
                 <a:cs typeface="Consolas" pitchFamily="49" charset="0"/>
@@ -5021,7 +5021,7 @@
             <a:r>
               <a:rPr lang="en-US" sz="2000" b="1" dirty="0" smtClean="0">
                 <a:solidFill>
-                  <a:schemeClr val="accent3"/>
+                  <a:srgbClr val="558ED5"/>
                 </a:solidFill>
                 <a:latin typeface="Consolas" pitchFamily="49" charset="0"/>
                 <a:cs typeface="Consolas" pitchFamily="49" charset="0"/>
@@ -6287,7 +6287,7 @@
             <a:r>
               <a:rPr lang="en-US" sz="2400" b="1" dirty="0" smtClean="0">
                 <a:solidFill>
-                  <a:schemeClr val="accent3"/>
+                  <a:srgbClr val="A429F5"/>
                 </a:solidFill>
                 <a:latin typeface="Consolas" pitchFamily="49" charset="0"/>
                 <a:cs typeface="Consolas" pitchFamily="49" charset="0"/>
@@ -6497,7 +6497,23 @@
                   <a:schemeClr val="tx1"/>
                 </a:solidFill>
               </a:rPr>
-              <a:t>Here's the template for our ancestor trees.  We have three blanks: one blue, one green, and one orange</a:t>
+              <a:t>Here's the template for our ancestor trees.  We have three blanks: one blue, one </a:t>
+            </a:r>
+            <a:r>
+              <a:rPr lang="en-US" dirty="0" smtClean="0">
+                <a:solidFill>
+                  <a:schemeClr val="tx1"/>
+                </a:solidFill>
+              </a:rPr>
+              <a:t>purple, </a:t>
+            </a:r>
+            <a:r>
+              <a:rPr lang="en-US" dirty="0">
+                <a:solidFill>
+                  <a:schemeClr val="tx1"/>
+                </a:solidFill>
+              </a:rPr>
+              <a:t>and one orange</a:t>
             </a:r>
             <a:r>
               <a:rPr lang="en-US" dirty="0" smtClean="0">
@@ -6637,6 +6653,16 @@
             <a:r>
               <a:rPr lang="en-US" sz="2400" b="1" dirty="0" err="1" smtClean="0">
                 <a:solidFill>
+                  <a:srgbClr val="558ED5"/>
+                </a:solidFill>
+                <a:latin typeface="Consolas" pitchFamily="49" charset="0"/>
+                <a:cs typeface="Consolas" pitchFamily="49" charset="0"/>
+              </a:rPr>
+              <a:t>adam-val</a:t>
+            </a:r>
+            <a:r>
+              <a:rPr lang="en-US" sz="2400" b="1" dirty="0" smtClean="0">
+                <a:solidFill>
                   <a:schemeClr val="tx2">
                     <a:lumMod val="40000"/>
                     <a:lumOff val="60000"/>
@@ -6645,6 +6671,231 @@
                 <a:latin typeface="Consolas" pitchFamily="49" charset="0"/>
                 <a:cs typeface="Consolas" pitchFamily="49" charset="0"/>
               </a:rPr>
+              <a:t> </a:t>
+            </a:r>
+            <a:r>
+              <a:rPr lang="en-US" sz="2400" b="1" dirty="0" smtClean="0">
+                <a:solidFill>
+                  <a:srgbClr val="A429F5"/>
+                </a:solidFill>
+                <a:latin typeface="Consolas" pitchFamily="49" charset="0"/>
+                <a:cs typeface="Consolas" pitchFamily="49" charset="0"/>
+              </a:rPr>
+              <a:t>eve-</a:t>
+            </a:r>
+            <a:r>
+              <a:rPr lang="en-US" sz="2400" b="1" dirty="0" err="1" smtClean="0">
+                <a:solidFill>
+                  <a:srgbClr val="A429F5"/>
+                </a:solidFill>
+                <a:latin typeface="Consolas" pitchFamily="49" charset="0"/>
+                <a:cs typeface="Consolas" pitchFamily="49" charset="0"/>
+              </a:rPr>
+              <a:t>val</a:t>
+            </a:r>
+            <a:r>
+              <a:rPr lang="en-US" sz="2400" b="1" dirty="0" smtClean="0">
+                <a:solidFill>
+                  <a:schemeClr val="accent3"/>
+                </a:solidFill>
+                <a:latin typeface="Consolas" pitchFamily="49" charset="0"/>
+                <a:cs typeface="Consolas" pitchFamily="49" charset="0"/>
+              </a:rPr>
+              <a:t> </a:t>
+            </a:r>
+            <a:r>
+              <a:rPr lang="en-US" sz="2400" b="1" dirty="0" smtClean="0">
+                <a:solidFill>
+                  <a:schemeClr val="accent6"/>
+                </a:solidFill>
+                <a:latin typeface="Consolas" pitchFamily="49" charset="0"/>
+                <a:cs typeface="Consolas" pitchFamily="49" charset="0"/>
+              </a:rPr>
+              <a:t>combiner</a:t>
+            </a:r>
+            <a:r>
+              <a:rPr lang="en-US" sz="2400" b="1" dirty="0" smtClean="0">
+                <a:latin typeface="Consolas" pitchFamily="49" charset="0"/>
+                <a:cs typeface="Consolas" pitchFamily="49" charset="0"/>
+              </a:rPr>
+              <a:t> p)</a:t>
+            </a:r>
+          </a:p>
+          <a:p>
+            <a:pPr>
+              <a:buNone/>
+            </a:pPr>
+            <a:r>
+              <a:rPr lang="en-US" sz="2400" b="1" dirty="0" smtClean="0">
+                <a:latin typeface="Consolas" pitchFamily="49" charset="0"/>
+                <a:cs typeface="Consolas" pitchFamily="49" charset="0"/>
+              </a:rPr>
+              <a:t>  (</a:t>
+            </a:r>
+            <a:r>
+              <a:rPr lang="en-US" sz="2400" b="1" dirty="0" err="1" smtClean="0">
+                <a:latin typeface="Consolas" pitchFamily="49" charset="0"/>
+                <a:cs typeface="Consolas" pitchFamily="49" charset="0"/>
+              </a:rPr>
+              <a:t>cond</a:t>
+            </a:r>
+            <a:endParaRPr lang="en-US" sz="2400" b="1" dirty="0" smtClean="0">
+              <a:latin typeface="Consolas" pitchFamily="49" charset="0"/>
+              <a:cs typeface="Consolas" pitchFamily="49" charset="0"/>
+            </a:endParaRPr>
+          </a:p>
+          <a:p>
+            <a:pPr>
+              <a:buNone/>
+            </a:pPr>
+            <a:r>
+              <a:rPr lang="en-US" sz="2400" b="1" dirty="0" smtClean="0">
+                <a:latin typeface="Consolas" pitchFamily="49" charset="0"/>
+                <a:cs typeface="Consolas" pitchFamily="49" charset="0"/>
+              </a:rPr>
+              <a:t>    [(</a:t>
+            </a:r>
+            <a:r>
+              <a:rPr lang="en-US" sz="2400" b="1" dirty="0" err="1" smtClean="0">
+                <a:latin typeface="Consolas" pitchFamily="49" charset="0"/>
+                <a:cs typeface="Consolas" pitchFamily="49" charset="0"/>
+              </a:rPr>
+              <a:t>adam</a:t>
+            </a:r>
+            <a:r>
+              <a:rPr lang="en-US" sz="2400" b="1" dirty="0" smtClean="0">
+                <a:latin typeface="Consolas" pitchFamily="49" charset="0"/>
+                <a:cs typeface="Consolas" pitchFamily="49" charset="0"/>
+              </a:rPr>
+              <a:t>? p) </a:t>
+            </a:r>
+            <a:r>
+              <a:rPr lang="en-US" sz="2400" b="1" dirty="0" err="1" smtClean="0">
+                <a:solidFill>
+                  <a:srgbClr val="558ED5"/>
+                </a:solidFill>
+                <a:latin typeface="Consolas" pitchFamily="49" charset="0"/>
+                <a:cs typeface="Consolas" pitchFamily="49" charset="0"/>
+              </a:rPr>
+              <a:t>adam-val</a:t>
+            </a:r>
+            <a:r>
+              <a:rPr lang="en-US" sz="2400" b="1" dirty="0" smtClean="0">
+                <a:latin typeface="Consolas" pitchFamily="49" charset="0"/>
+                <a:cs typeface="Consolas" pitchFamily="49" charset="0"/>
+              </a:rPr>
+              <a:t>]</a:t>
+            </a:r>
+          </a:p>
+          <a:p>
+            <a:pPr>
+              <a:buNone/>
+            </a:pPr>
+            <a:r>
+              <a:rPr lang="en-US" sz="2400" b="1" dirty="0" smtClean="0">
+                <a:latin typeface="Consolas" pitchFamily="49" charset="0"/>
+                <a:cs typeface="Consolas" pitchFamily="49" charset="0"/>
+              </a:rPr>
+              <a:t>    [(eve? p) </a:t>
+            </a:r>
+            <a:r>
+              <a:rPr lang="en-US" sz="2400" b="1" dirty="0" smtClean="0">
+                <a:solidFill>
+                  <a:srgbClr val="A429F5"/>
+                </a:solidFill>
+                <a:latin typeface="Consolas" pitchFamily="49" charset="0"/>
+                <a:cs typeface="Consolas" pitchFamily="49" charset="0"/>
+              </a:rPr>
+              <a:t>eve-</a:t>
+            </a:r>
+            <a:r>
+              <a:rPr lang="en-US" sz="2400" b="1" dirty="0" err="1" smtClean="0">
+                <a:solidFill>
+                  <a:srgbClr val="A429F5"/>
+                </a:solidFill>
+                <a:latin typeface="Consolas" pitchFamily="49" charset="0"/>
+                <a:cs typeface="Consolas" pitchFamily="49" charset="0"/>
+              </a:rPr>
+              <a:t>val</a:t>
+            </a:r>
+            <a:r>
+              <a:rPr lang="en-US" sz="2400" b="1" dirty="0" smtClean="0">
+                <a:latin typeface="Consolas" pitchFamily="49" charset="0"/>
+                <a:cs typeface="Consolas" pitchFamily="49" charset="0"/>
+              </a:rPr>
+              <a:t>]</a:t>
+            </a:r>
+          </a:p>
+          <a:p>
+            <a:pPr>
+              <a:buNone/>
+            </a:pPr>
+            <a:r>
+              <a:rPr lang="en-US" sz="2400" b="1" dirty="0" smtClean="0">
+                <a:latin typeface="Consolas" pitchFamily="49" charset="0"/>
+                <a:cs typeface="Consolas" pitchFamily="49" charset="0"/>
+              </a:rPr>
+              <a:t>    [else (</a:t>
+            </a:r>
+            <a:r>
+              <a:rPr lang="en-US" sz="2400" b="1" dirty="0" smtClean="0">
+                <a:solidFill>
+                  <a:schemeClr val="accent6"/>
+                </a:solidFill>
+                <a:latin typeface="Consolas" pitchFamily="49" charset="0"/>
+                <a:cs typeface="Consolas" pitchFamily="49" charset="0"/>
+              </a:rPr>
+              <a:t>combiner</a:t>
+            </a:r>
+          </a:p>
+          <a:p>
+            <a:pPr>
+              <a:buNone/>
+            </a:pPr>
+            <a:r>
+              <a:rPr lang="en-US" sz="2400" b="1" dirty="0" smtClean="0">
+                <a:latin typeface="Consolas" pitchFamily="49" charset="0"/>
+                <a:cs typeface="Consolas" pitchFamily="49" charset="0"/>
+              </a:rPr>
+              <a:t>           (person-name p)</a:t>
+            </a:r>
+          </a:p>
+          <a:p>
+            <a:pPr>
+              <a:buNone/>
+            </a:pPr>
+            <a:r>
+              <a:rPr lang="en-US" sz="2400" b="1" dirty="0" smtClean="0">
+                <a:latin typeface="Consolas" pitchFamily="49" charset="0"/>
+                <a:cs typeface="Consolas" pitchFamily="49" charset="0"/>
+              </a:rPr>
+              <a:t>           (</a:t>
+            </a:r>
+            <a:r>
+              <a:rPr lang="en-US" sz="2400" b="1" dirty="0" smtClean="0">
+                <a:solidFill>
+                  <a:srgbClr val="FF0000"/>
+                </a:solidFill>
+                <a:latin typeface="Consolas" pitchFamily="49" charset="0"/>
+                <a:cs typeface="Consolas" pitchFamily="49" charset="0"/>
+              </a:rPr>
+              <a:t>person-fold</a:t>
+            </a:r>
+            <a:r>
+              <a:rPr lang="en-US" sz="2400" b="1" dirty="0" smtClean="0">
+                <a:latin typeface="Consolas" pitchFamily="49" charset="0"/>
+                <a:cs typeface="Consolas" pitchFamily="49" charset="0"/>
+              </a:rPr>
+              <a:t> </a:t>
+            </a:r>
+            <a:r>
+              <a:rPr lang="en-US" sz="2400" b="1" dirty="0" err="1" smtClean="0">
+                <a:solidFill>
+                  <a:srgbClr val="558ED5"/>
+                </a:solidFill>
+                <a:latin typeface="Consolas" pitchFamily="49" charset="0"/>
+                <a:cs typeface="Consolas" pitchFamily="49" charset="0"/>
+              </a:rPr>
               <a:t>adam-val</a:t>
             </a:r>
             <a:r>
@@ -6663,101 +6914,106 @@
             <a:r>
               <a:rPr lang="en-US" sz="2400" b="1" dirty="0" smtClean="0">
                 <a:solidFill>
+                  <a:srgbClr val="A429F5"/>
+                </a:solidFill>
+                <a:latin typeface="Consolas" pitchFamily="49" charset="0"/>
+                <a:cs typeface="Consolas" pitchFamily="49" charset="0"/>
+              </a:rPr>
+              <a:t>eve-</a:t>
+            </a:r>
+            <a:r>
+              <a:rPr lang="en-US" sz="2400" b="1" dirty="0" err="1" smtClean="0">
+                <a:solidFill>
+                  <a:srgbClr val="A429F5"/>
+                </a:solidFill>
+                <a:latin typeface="Consolas" pitchFamily="49" charset="0"/>
+                <a:cs typeface="Consolas" pitchFamily="49" charset="0"/>
+              </a:rPr>
+              <a:t>val</a:t>
+            </a:r>
+            <a:r>
+              <a:rPr lang="en-US" sz="2400" b="1" dirty="0" smtClean="0">
+                <a:solidFill>
                   <a:schemeClr val="accent3"/>
                 </a:solidFill>
                 <a:latin typeface="Consolas" pitchFamily="49" charset="0"/>
                 <a:cs typeface="Consolas" pitchFamily="49" charset="0"/>
               </a:rPr>
-              <a:t>eve-</a:t>
+              <a:t> </a:t>
+            </a:r>
+            <a:r>
+              <a:rPr lang="en-US" sz="2400" b="1" dirty="0" smtClean="0">
+                <a:solidFill>
+                  <a:schemeClr val="accent6"/>
+                </a:solidFill>
+                <a:latin typeface="Consolas" pitchFamily="49" charset="0"/>
+                <a:cs typeface="Consolas" pitchFamily="49" charset="0"/>
+              </a:rPr>
+              <a:t>combiner</a:t>
+            </a:r>
+          </a:p>
+          <a:p>
+            <a:pPr>
+              <a:buNone/>
+            </a:pPr>
+            <a:r>
+              <a:rPr lang="en-US" sz="2400" b="1" dirty="0" smtClean="0">
+                <a:solidFill>
+                  <a:schemeClr val="accent6"/>
+                </a:solidFill>
+                <a:latin typeface="Consolas" pitchFamily="49" charset="0"/>
+                <a:cs typeface="Consolas" pitchFamily="49" charset="0"/>
+              </a:rPr>
+              <a:t>           </a:t>
+            </a:r>
+            <a:r>
+              <a:rPr lang="en-US" sz="2400" b="1" dirty="0" smtClean="0">
+                <a:latin typeface="Consolas" pitchFamily="49" charset="0"/>
+                <a:cs typeface="Consolas" pitchFamily="49" charset="0"/>
+              </a:rPr>
+              <a:t> (person-father p))</a:t>
+            </a:r>
+          </a:p>
+          <a:p>
+            <a:pPr>
+              <a:buNone/>
+            </a:pPr>
+            <a:r>
+              <a:rPr lang="en-US" sz="2400" b="1" dirty="0" smtClean="0">
+                <a:latin typeface="Consolas" pitchFamily="49" charset="0"/>
+                <a:cs typeface="Consolas" pitchFamily="49" charset="0"/>
+              </a:rPr>
+              <a:t>           (</a:t>
+            </a:r>
+            <a:r>
+              <a:rPr lang="en-US" sz="2400" b="1" dirty="0" smtClean="0">
+                <a:solidFill>
+                  <a:srgbClr val="FF0000"/>
+                </a:solidFill>
+                <a:latin typeface="Consolas" pitchFamily="49" charset="0"/>
+                <a:cs typeface="Consolas" pitchFamily="49" charset="0"/>
+              </a:rPr>
+              <a:t>person-fold</a:t>
+            </a:r>
+            <a:r>
+              <a:rPr lang="en-US" sz="2400" b="1" dirty="0" smtClean="0">
+                <a:latin typeface="Consolas" pitchFamily="49" charset="0"/>
+                <a:cs typeface="Consolas" pitchFamily="49" charset="0"/>
+              </a:rPr>
+              <a:t> </a:t>
             </a:r>
             <a:r>
               <a:rPr lang="en-US" sz="2400" b="1" dirty="0" err="1" smtClean="0">
                 <a:solidFill>
-                  <a:schemeClr val="accent3"/>
-                </a:solidFill>
-                <a:latin typeface="Consolas" pitchFamily="49" charset="0"/>
-                <a:cs typeface="Consolas" pitchFamily="49" charset="0"/>
-              </a:rPr>
-              <a:t>val</a:t>
-            </a:r>
-            <a:r>
-              <a:rPr lang="en-US" sz="2400" b="1" dirty="0" smtClean="0">
-                <a:solidFill>
-                  <a:schemeClr val="accent3"/>
-                </a:solidFill>
-                <a:latin typeface="Consolas" pitchFamily="49" charset="0"/>
-                <a:cs typeface="Consolas" pitchFamily="49" charset="0"/>
-              </a:rPr>
-              <a:t> </a:t>
-            </a:r>
-            <a:r>
-              <a:rPr lang="en-US" sz="2400" b="1" dirty="0" smtClean="0">
-                <a:solidFill>
-                  <a:schemeClr val="accent6"/>
-                </a:solidFill>
-                <a:latin typeface="Consolas" pitchFamily="49" charset="0"/>
-                <a:cs typeface="Consolas" pitchFamily="49" charset="0"/>
-              </a:rPr>
-              <a:t>combiner</a:t>
-            </a:r>
-            <a:r>
-              <a:rPr lang="en-US" sz="2400" b="1" dirty="0" smtClean="0">
-                <a:latin typeface="Consolas" pitchFamily="49" charset="0"/>
-                <a:cs typeface="Consolas" pitchFamily="49" charset="0"/>
-              </a:rPr>
-              <a:t> p)</a:t>
-            </a:r>
-          </a:p>
-          <a:p>
-            <a:pPr>
-              <a:buNone/>
-            </a:pPr>
-            <a:r>
-              <a:rPr lang="en-US" sz="2400" b="1" dirty="0" smtClean="0">
-                <a:latin typeface="Consolas" pitchFamily="49" charset="0"/>
-                <a:cs typeface="Consolas" pitchFamily="49" charset="0"/>
-              </a:rPr>
-              <a:t>  (</a:t>
-            </a:r>
-            <a:r>
-              <a:rPr lang="en-US" sz="2400" b="1" dirty="0" err="1" smtClean="0">
-                <a:latin typeface="Consolas" pitchFamily="49" charset="0"/>
-                <a:cs typeface="Consolas" pitchFamily="49" charset="0"/>
-              </a:rPr>
-              <a:t>cond</a:t>
-            </a:r>
-            <a:endParaRPr lang="en-US" sz="2400" b="1" dirty="0" smtClean="0">
-              <a:latin typeface="Consolas" pitchFamily="49" charset="0"/>
-              <a:cs typeface="Consolas" pitchFamily="49" charset="0"/>
-            </a:endParaRPr>
-          </a:p>
-          <a:p>
-            <a:pPr>
-              <a:buNone/>
-            </a:pPr>
-            <a:r>
-              <a:rPr lang="en-US" sz="2400" b="1" dirty="0" smtClean="0">
-                <a:latin typeface="Consolas" pitchFamily="49" charset="0"/>
-                <a:cs typeface="Consolas" pitchFamily="49" charset="0"/>
-              </a:rPr>
-              <a:t>    [(</a:t>
-            </a:r>
-            <a:r>
-              <a:rPr lang="en-US" sz="2400" b="1" dirty="0" err="1" smtClean="0">
-                <a:latin typeface="Consolas" pitchFamily="49" charset="0"/>
-                <a:cs typeface="Consolas" pitchFamily="49" charset="0"/>
-              </a:rPr>
-              <a:t>adam</a:t>
-            </a:r>
-            <a:r>
-              <a:rPr lang="en-US" sz="2400" b="1" dirty="0" smtClean="0">
-                <a:latin typeface="Consolas" pitchFamily="49" charset="0"/>
-                <a:cs typeface="Consolas" pitchFamily="49" charset="0"/>
-              </a:rPr>
-              <a:t>? p) </a:t>
-            </a:r>
-            <a:r>
-              <a:rPr lang="en-US" sz="2400" b="1" dirty="0" err="1" smtClean="0">
+                  <a:srgbClr val="558ED5"/>
+                </a:solidFill>
+                <a:latin typeface="Consolas" pitchFamily="49" charset="0"/>
+                <a:cs typeface="Consolas" pitchFamily="49" charset="0"/>
+              </a:rPr>
+              <a:t>adam-val</a:t>
+            </a:r>
+            <a:r>
+              <a:rPr lang="en-US" sz="2400" b="1" dirty="0" smtClean="0">
                 <a:solidFill>
                   <a:schemeClr val="tx2">
                     <a:lumMod val="40000"/>
@@ -6767,31 +7023,12 @@
                 <a:latin typeface="Consolas" pitchFamily="49" charset="0"/>
                 <a:cs typeface="Consolas" pitchFamily="49" charset="0"/>
               </a:rPr>
-              <a:t>adam-val</a:t>
-            </a:r>
-            <a:r>
-              <a:rPr lang="en-US" sz="2400" b="1" dirty="0" smtClean="0">
-                <a:latin typeface="Consolas" pitchFamily="49" charset="0"/>
-                <a:cs typeface="Consolas" pitchFamily="49" charset="0"/>
-              </a:rPr>
-              <a:t>]</a:t>
-            </a:r>
-          </a:p>
-          <a:p>
-            <a:pPr>
-              <a:buNone/>
-            </a:pPr>
-            <a:r>
-              <a:rPr lang="en-US" sz="2400" b="1" dirty="0" smtClean="0">
-                <a:latin typeface="Consolas" pitchFamily="49" charset="0"/>
-                <a:cs typeface="Consolas" pitchFamily="49" charset="0"/>
-              </a:rPr>
-              <a:t>    [(eve? p) </a:t>
-            </a:r>
-            <a:r>
-              <a:rPr lang="en-US" sz="2400" b="1" dirty="0" smtClean="0">
-                <a:solidFill>
-                  <a:schemeClr val="accent3"/>
+              <a:t> </a:t>
+            </a:r>
+            <a:r>
+              <a:rPr lang="en-US" sz="2400" b="1" dirty="0" smtClean="0">
+                <a:solidFill>
+                  <a:srgbClr val="A429F5"/>
                 </a:solidFill>
                 <a:latin typeface="Consolas" pitchFamily="49" charset="0"/>
                 <a:cs typeface="Consolas" pitchFamily="49" charset="0"/>
@@ -6801,240 +7038,7 @@
             <a:r>
               <a:rPr lang="en-US" sz="2400" b="1" dirty="0" err="1" smtClean="0">
                 <a:solidFill>
-                  <a:schemeClr val="accent3"/>
-                </a:solidFill>
-                <a:latin typeface="Consolas" pitchFamily="49" charset="0"/>
-                <a:cs typeface="Consolas" pitchFamily="49" charset="0"/>
-              </a:rPr>
-              <a:t>val</a:t>
-            </a:r>
-            <a:r>
-              <a:rPr lang="en-US" sz="2400" b="1" dirty="0" smtClean="0">
-                <a:latin typeface="Consolas" pitchFamily="49" charset="0"/>
-                <a:cs typeface="Consolas" pitchFamily="49" charset="0"/>
-              </a:rPr>
-              <a:t>]</a:t>
-            </a:r>
-          </a:p>
-          <a:p>
-            <a:pPr>
-              <a:buNone/>
-            </a:pPr>
-            <a:r>
-              <a:rPr lang="en-US" sz="2400" b="1" dirty="0" smtClean="0">
-                <a:latin typeface="Consolas" pitchFamily="49" charset="0"/>
-                <a:cs typeface="Consolas" pitchFamily="49" charset="0"/>
-              </a:rPr>
-              <a:t>    [else (</a:t>
-            </a:r>
-            <a:r>
-              <a:rPr lang="en-US" sz="2400" b="1" dirty="0" smtClean="0">
-                <a:solidFill>
-                  <a:schemeClr val="accent6"/>
-                </a:solidFill>
-                <a:latin typeface="Consolas" pitchFamily="49" charset="0"/>
-                <a:cs typeface="Consolas" pitchFamily="49" charset="0"/>
-              </a:rPr>
-              <a:t>combiner</a:t>
-            </a:r>
-          </a:p>
-          <a:p>
-            <a:pPr>
-              <a:buNone/>
-            </a:pPr>
-            <a:r>
-              <a:rPr lang="en-US" sz="2400" b="1" dirty="0" smtClean="0">
-                <a:latin typeface="Consolas" pitchFamily="49" charset="0"/>
-                <a:cs typeface="Consolas" pitchFamily="49" charset="0"/>
-              </a:rPr>
-              <a:t>           (person-name p)</a:t>
-            </a:r>
-          </a:p>
-          <a:p>
-            <a:pPr>
-              <a:buNone/>
-            </a:pPr>
-            <a:r>
-              <a:rPr lang="en-US" sz="2400" b="1" dirty="0" smtClean="0">
-                <a:latin typeface="Consolas" pitchFamily="49" charset="0"/>
-                <a:cs typeface="Consolas" pitchFamily="49" charset="0"/>
-              </a:rPr>
-              <a:t>           (</a:t>
-            </a:r>
-            <a:r>
-              <a:rPr lang="en-US" sz="2400" b="1" dirty="0" smtClean="0">
-                <a:solidFill>
-                  <a:srgbClr val="FF0000"/>
-                </a:solidFill>
-                <a:latin typeface="Consolas" pitchFamily="49" charset="0"/>
-                <a:cs typeface="Consolas" pitchFamily="49" charset="0"/>
-              </a:rPr>
-              <a:t>person-fold</a:t>
-            </a:r>
-            <a:r>
-              <a:rPr lang="en-US" sz="2400" b="1" dirty="0" smtClean="0">
-                <a:latin typeface="Consolas" pitchFamily="49" charset="0"/>
-                <a:cs typeface="Consolas" pitchFamily="49" charset="0"/>
-              </a:rPr>
-              <a:t> </a:t>
-            </a:r>
-            <a:r>
-              <a:rPr lang="en-US" sz="2400" b="1" dirty="0" err="1" smtClean="0">
-                <a:solidFill>
-                  <a:schemeClr val="tx2">
-                    <a:lumMod val="40000"/>
-                    <a:lumOff val="60000"/>
-                  </a:schemeClr>
-                </a:solidFill>
-                <a:latin typeface="Consolas" pitchFamily="49" charset="0"/>
-                <a:cs typeface="Consolas" pitchFamily="49" charset="0"/>
-              </a:rPr>
-              <a:t>adam-val</a:t>
-            </a:r>
-            <a:r>
-              <a:rPr lang="en-US" sz="2400" b="1" dirty="0" smtClean="0">
-                <a:solidFill>
-                  <a:schemeClr val="tx2">
-                    <a:lumMod val="40000"/>
-                    <a:lumOff val="60000"/>
-                  </a:schemeClr>
-                </a:solidFill>
-                <a:latin typeface="Consolas" pitchFamily="49" charset="0"/>
-                <a:cs typeface="Consolas" pitchFamily="49" charset="0"/>
-              </a:rPr>
-              <a:t> </a:t>
-            </a:r>
-            <a:r>
-              <a:rPr lang="en-US" sz="2400" b="1" dirty="0" smtClean="0">
-                <a:solidFill>
-                  <a:schemeClr val="accent3"/>
-                </a:solidFill>
-                <a:latin typeface="Consolas" pitchFamily="49" charset="0"/>
-                <a:cs typeface="Consolas" pitchFamily="49" charset="0"/>
-              </a:rPr>
-              <a:t>eve-</a:t>
-            </a:r>
-            <a:r>
-              <a:rPr lang="en-US" sz="2400" b="1" dirty="0" err="1" smtClean="0">
-                <a:solidFill>
-                  <a:schemeClr val="accent3"/>
-                </a:solidFill>
-                <a:latin typeface="Consolas" pitchFamily="49" charset="0"/>
-                <a:cs typeface="Consolas" pitchFamily="49" charset="0"/>
-              </a:rPr>
-              <a:t>val</a:t>
-            </a:r>
-            <a:r>
-              <a:rPr lang="en-US" sz="2400" b="1" dirty="0" smtClean="0">
-                <a:solidFill>
-                  <a:schemeClr val="accent3"/>
-                </a:solidFill>
-                <a:latin typeface="Consolas" pitchFamily="49" charset="0"/>
-                <a:cs typeface="Consolas" pitchFamily="49" charset="0"/>
-              </a:rPr>
-              <a:t> </a:t>
-            </a:r>
-            <a:r>
-              <a:rPr lang="en-US" sz="2400" b="1" dirty="0" smtClean="0">
-                <a:solidFill>
-                  <a:schemeClr val="accent6"/>
-                </a:solidFill>
-                <a:latin typeface="Consolas" pitchFamily="49" charset="0"/>
-                <a:cs typeface="Consolas" pitchFamily="49" charset="0"/>
-              </a:rPr>
-              <a:t>combiner</a:t>
-            </a:r>
-          </a:p>
-          <a:p>
-            <a:pPr>
-              <a:buNone/>
-            </a:pPr>
-            <a:r>
-              <a:rPr lang="en-US" sz="2400" b="1" dirty="0" smtClean="0">
-                <a:solidFill>
-                  <a:schemeClr val="accent6"/>
-                </a:solidFill>
-                <a:latin typeface="Consolas" pitchFamily="49" charset="0"/>
-                <a:cs typeface="Consolas" pitchFamily="49" charset="0"/>
-              </a:rPr>
-              <a:t>           </a:t>
-            </a:r>
-            <a:r>
-              <a:rPr lang="en-US" sz="2400" b="1" dirty="0" smtClean="0">
-                <a:latin typeface="Consolas" pitchFamily="49" charset="0"/>
-                <a:cs typeface="Consolas" pitchFamily="49" charset="0"/>
-              </a:rPr>
-              <a:t> (person-father p))</a:t>
-            </a:r>
-          </a:p>
-          <a:p>
-            <a:pPr>
-              <a:buNone/>
-            </a:pPr>
-            <a:r>
-              <a:rPr lang="en-US" sz="2400" b="1" dirty="0" smtClean="0">
-                <a:latin typeface="Consolas" pitchFamily="49" charset="0"/>
-                <a:cs typeface="Consolas" pitchFamily="49" charset="0"/>
-              </a:rPr>
-              <a:t>           (</a:t>
-            </a:r>
-            <a:r>
-              <a:rPr lang="en-US" sz="2400" b="1" dirty="0" smtClean="0">
-                <a:solidFill>
-                  <a:srgbClr val="FF0000"/>
-                </a:solidFill>
-                <a:latin typeface="Consolas" pitchFamily="49" charset="0"/>
-                <a:cs typeface="Consolas" pitchFamily="49" charset="0"/>
-              </a:rPr>
-              <a:t>person-fold</a:t>
-            </a:r>
-            <a:r>
-              <a:rPr lang="en-US" sz="2400" b="1" dirty="0" smtClean="0">
-                <a:latin typeface="Consolas" pitchFamily="49" charset="0"/>
-                <a:cs typeface="Consolas" pitchFamily="49" charset="0"/>
-              </a:rPr>
-              <a:t> </a:t>
-            </a:r>
-            <a:r>
-              <a:rPr lang="en-US" sz="2400" b="1" dirty="0" err="1" smtClean="0">
-                <a:solidFill>
-                  <a:schemeClr val="tx2">
-                    <a:lumMod val="40000"/>
-                    <a:lumOff val="60000"/>
-                  </a:schemeClr>
-                </a:solidFill>
-                <a:latin typeface="Consolas" pitchFamily="49" charset="0"/>
-                <a:cs typeface="Consolas" pitchFamily="49" charset="0"/>
-              </a:rPr>
-              <a:t>adam-val</a:t>
-            </a:r>
-            <a:r>
-              <a:rPr lang="en-US" sz="2400" b="1" dirty="0" smtClean="0">
-                <a:solidFill>
-                  <a:schemeClr val="tx2">
-                    <a:lumMod val="40000"/>
-                    <a:lumOff val="60000"/>
-                  </a:schemeClr>
-                </a:solidFill>
-                <a:latin typeface="Consolas" pitchFamily="49" charset="0"/>
-                <a:cs typeface="Consolas" pitchFamily="49" charset="0"/>
-              </a:rPr>
-              <a:t> </a:t>
-            </a:r>
-            <a:r>
-              <a:rPr lang="en-US" sz="2400" b="1" dirty="0" smtClean="0">
-                <a:solidFill>
-                  <a:schemeClr val="accent3"/>
-                </a:solidFill>
-                <a:latin typeface="Consolas" pitchFamily="49" charset="0"/>
-                <a:cs typeface="Consolas" pitchFamily="49" charset="0"/>
-              </a:rPr>
-              <a:t>eve-</a:t>
-            </a:r>
-            <a:r>
-              <a:rPr lang="en-US" sz="2400" b="1" dirty="0" err="1" smtClean="0">
-                <a:solidFill>
-                  <a:schemeClr val="accent3"/>
+                  <a:srgbClr val="A429F5"/>
                 </a:solidFill>
                 <a:latin typeface="Consolas" pitchFamily="49" charset="0"/>
                 <a:cs typeface="Consolas" pitchFamily="49" charset="0"/>
@@ -7204,7 +7208,23 @@
                   <a:schemeClr val="tx1"/>
                 </a:solidFill>
               </a:rPr>
-              <a:t>(in green) and the </a:t>
+              <a:t>(in </a:t>
+            </a:r>
+            <a:r>
+              <a:rPr lang="en-US" dirty="0" smtClean="0">
+                <a:solidFill>
+                  <a:schemeClr val="tx1"/>
+                </a:solidFill>
+              </a:rPr>
+              <a:t>purple) </a:t>
+            </a:r>
+            <a:r>
+              <a:rPr lang="en-US" dirty="0">
+                <a:solidFill>
+                  <a:schemeClr val="tx1"/>
+                </a:solidFill>
+              </a:rPr>
+              <a:t>and the </a:t>
             </a:r>
             <a:r>
               <a:rPr lang="en-US" b="1" dirty="0">
@@ -7334,100 +7354,123 @@
             <a:r>
               <a:rPr lang="en-US" sz="2400" b="1" dirty="0" smtClean="0">
                 <a:solidFill>
+                  <a:schemeClr val="tx2">
+                    <a:lumMod val="60000"/>
+                    <a:lumOff val="40000"/>
+                  </a:schemeClr>
+                </a:solidFill>
+                <a:latin typeface="Consolas" pitchFamily="49" charset="0"/>
+                <a:cs typeface="Consolas" pitchFamily="49" charset="0"/>
+              </a:rPr>
+              <a:t>X</a:t>
+            </a:r>
+            <a:r>
+              <a:rPr lang="en-US" sz="2400" b="1" dirty="0" smtClean="0">
+                <a:solidFill>
                   <a:schemeClr val="accent3"/>
                 </a:solidFill>
                 <a:latin typeface="Consolas" pitchFamily="49" charset="0"/>
                 <a:cs typeface="Consolas" pitchFamily="49" charset="0"/>
               </a:rPr>
-              <a:t>X </a:t>
+              <a:t> </a:t>
             </a:r>
             <a:r>
               <a:rPr lang="en-US" sz="2400" b="1" dirty="0" err="1" smtClean="0">
                 <a:solidFill>
+                  <a:srgbClr val="A429F5"/>
+                </a:solidFill>
+                <a:latin typeface="Consolas" pitchFamily="49" charset="0"/>
+                <a:cs typeface="Consolas" pitchFamily="49" charset="0"/>
+              </a:rPr>
+              <a:t>X</a:t>
+            </a:r>
+            <a:r>
+              <a:rPr lang="en-US" sz="2400" b="1" dirty="0" smtClean="0">
+                <a:latin typeface="Consolas" pitchFamily="49" charset="0"/>
+                <a:cs typeface="Consolas" pitchFamily="49" charset="0"/>
+              </a:rPr>
+              <a:t> </a:t>
+            </a:r>
+            <a:r>
+              <a:rPr lang="en-US" sz="2400" b="1" dirty="0" smtClean="0">
+                <a:solidFill>
+                  <a:schemeClr val="accent6"/>
+                </a:solidFill>
+                <a:latin typeface="Consolas" pitchFamily="49" charset="0"/>
+                <a:cs typeface="Consolas" pitchFamily="49" charset="0"/>
+              </a:rPr>
+              <a:t>(String X X -&gt; X) </a:t>
+            </a:r>
+            <a:r>
+              <a:rPr lang="en-US" sz="2400" b="1" dirty="0" smtClean="0">
+                <a:latin typeface="Consolas" pitchFamily="49" charset="0"/>
+                <a:cs typeface="Consolas" pitchFamily="49" charset="0"/>
+              </a:rPr>
+              <a:t>Person -&gt; X</a:t>
+            </a:r>
+          </a:p>
+          <a:p>
+            <a:pPr>
+              <a:buNone/>
+            </a:pPr>
+            <a:r>
+              <a:rPr lang="en-US" sz="2400" b="1" dirty="0" smtClean="0">
+                <a:latin typeface="Consolas" pitchFamily="49" charset="0"/>
+                <a:cs typeface="Consolas" pitchFamily="49" charset="0"/>
+              </a:rPr>
+              <a:t>(define (</a:t>
+            </a:r>
+            <a:r>
+              <a:rPr lang="en-US" sz="2400" b="1" dirty="0" smtClean="0">
+                <a:solidFill>
+                  <a:srgbClr val="FF0000"/>
+                </a:solidFill>
+                <a:latin typeface="Consolas" pitchFamily="49" charset="0"/>
+                <a:cs typeface="Consolas" pitchFamily="49" charset="0"/>
+              </a:rPr>
+              <a:t>person-fold</a:t>
+            </a:r>
+            <a:r>
+              <a:rPr lang="en-US" sz="2400" b="1" dirty="0" smtClean="0">
+                <a:latin typeface="Consolas" pitchFamily="49" charset="0"/>
+                <a:cs typeface="Consolas" pitchFamily="49" charset="0"/>
+              </a:rPr>
+              <a:t> </a:t>
+            </a:r>
+            <a:r>
+              <a:rPr lang="en-US" sz="2400" b="1" dirty="0" err="1" smtClean="0">
+                <a:solidFill>
+                  <a:srgbClr val="558ED5"/>
+                </a:solidFill>
+                <a:latin typeface="Consolas" pitchFamily="49" charset="0"/>
+                <a:cs typeface="Consolas" pitchFamily="49" charset="0"/>
+              </a:rPr>
+              <a:t>adam-val</a:t>
+            </a:r>
+            <a:r>
+              <a:rPr lang="en-US" sz="2400" b="1" dirty="0" smtClean="0">
+                <a:solidFill>
                   <a:schemeClr val="accent3"/>
                 </a:solidFill>
                 <a:latin typeface="Consolas" pitchFamily="49" charset="0"/>
                 <a:cs typeface="Consolas" pitchFamily="49" charset="0"/>
               </a:rPr>
-              <a:t>X</a:t>
-            </a:r>
-            <a:r>
-              <a:rPr lang="en-US" sz="2400" b="1" dirty="0" smtClean="0">
-                <a:latin typeface="Consolas" pitchFamily="49" charset="0"/>
-                <a:cs typeface="Consolas" pitchFamily="49" charset="0"/>
-              </a:rPr>
               <a:t> </a:t>
             </a:r>
             <a:r>
               <a:rPr lang="en-US" sz="2400" b="1" dirty="0" smtClean="0">
                 <a:solidFill>
-                  <a:schemeClr val="accent6"/>
-                </a:solidFill>
-                <a:latin typeface="Consolas" pitchFamily="49" charset="0"/>
-                <a:cs typeface="Consolas" pitchFamily="49" charset="0"/>
-              </a:rPr>
-              <a:t>(String X X -&gt; X) </a:t>
-            </a:r>
-            <a:r>
-              <a:rPr lang="en-US" sz="2400" b="1" dirty="0" smtClean="0">
-                <a:latin typeface="Consolas" pitchFamily="49" charset="0"/>
-                <a:cs typeface="Consolas" pitchFamily="49" charset="0"/>
-              </a:rPr>
-              <a:t>Person -&gt; X</a:t>
-            </a:r>
-          </a:p>
-          <a:p>
-            <a:pPr>
-              <a:buNone/>
-            </a:pPr>
-            <a:r>
-              <a:rPr lang="en-US" sz="2400" b="1" dirty="0" smtClean="0">
-                <a:latin typeface="Consolas" pitchFamily="49" charset="0"/>
-                <a:cs typeface="Consolas" pitchFamily="49" charset="0"/>
-              </a:rPr>
-              <a:t>(define (</a:t>
-            </a:r>
-            <a:r>
-              <a:rPr lang="en-US" sz="2400" b="1" dirty="0" smtClean="0">
-                <a:solidFill>
-                  <a:srgbClr val="FF0000"/>
-                </a:solidFill>
-                <a:latin typeface="Consolas" pitchFamily="49" charset="0"/>
-                <a:cs typeface="Consolas" pitchFamily="49" charset="0"/>
-              </a:rPr>
-              <a:t>person-fold</a:t>
-            </a:r>
-            <a:r>
-              <a:rPr lang="en-US" sz="2400" b="1" dirty="0" smtClean="0">
-                <a:latin typeface="Consolas" pitchFamily="49" charset="0"/>
-                <a:cs typeface="Consolas" pitchFamily="49" charset="0"/>
-              </a:rPr>
-              <a:t> </a:t>
+                  <a:srgbClr val="A429F5"/>
+                </a:solidFill>
+                <a:latin typeface="Consolas" pitchFamily="49" charset="0"/>
+                <a:cs typeface="Consolas" pitchFamily="49" charset="0"/>
+              </a:rPr>
+              <a:t>eve-</a:t>
             </a:r>
             <a:r>
               <a:rPr lang="en-US" sz="2400" b="1" dirty="0" err="1" smtClean="0">
                 <a:solidFill>
-                  <a:schemeClr val="accent3"/>
-                </a:solidFill>
-                <a:latin typeface="Consolas" pitchFamily="49" charset="0"/>
-                <a:cs typeface="Consolas" pitchFamily="49" charset="0"/>
-              </a:rPr>
-              <a:t>adam-val</a:t>
-            </a:r>
-            <a:r>
-              <a:rPr lang="en-US" sz="2400" b="1" dirty="0" smtClean="0">
-                <a:solidFill>
-                  <a:schemeClr val="accent3"/>
-                </a:solidFill>
-                <a:latin typeface="Consolas" pitchFamily="49" charset="0"/>
-                <a:cs typeface="Consolas" pitchFamily="49" charset="0"/>
-              </a:rPr>
-              <a:t> eve-</a:t>
-            </a:r>
-            <a:r>
-              <a:rPr lang="en-US" sz="2400" b="1" dirty="0" err="1" smtClean="0">
-                <a:solidFill>
-                  <a:schemeClr val="accent3"/>
+                  <a:srgbClr val="A429F5"/>
                 </a:solidFill>
                 <a:latin typeface="Consolas" pitchFamily="49" charset="0"/>
                 <a:cs typeface="Consolas" pitchFamily="49" charset="0"/>
@@ -7513,247 +7556,267 @@
             <a:r>
               <a:rPr lang="en-US" sz="2400" b="1" dirty="0" err="1" smtClean="0">
                 <a:solidFill>
+                  <a:srgbClr val="558ED5"/>
+                </a:solidFill>
+                <a:latin typeface="Consolas" pitchFamily="49" charset="0"/>
+                <a:cs typeface="Consolas" pitchFamily="49" charset="0"/>
+              </a:rPr>
+              <a:t>adam-val</a:t>
+            </a:r>
+            <a:r>
+              <a:rPr lang="en-US" sz="2400" b="1" dirty="0" smtClean="0">
+                <a:latin typeface="Consolas" pitchFamily="49" charset="0"/>
+                <a:cs typeface="Consolas" pitchFamily="49" charset="0"/>
+              </a:rPr>
+              <a:t>]</a:t>
+            </a:r>
+          </a:p>
+          <a:p>
+            <a:pPr>
+              <a:buNone/>
+            </a:pPr>
+            <a:r>
+              <a:rPr lang="en-US" sz="2400" b="1" dirty="0" smtClean="0">
+                <a:latin typeface="Consolas" pitchFamily="49" charset="0"/>
+                <a:cs typeface="Consolas" pitchFamily="49" charset="0"/>
+              </a:rPr>
+              <a:t>    [(eve? p) </a:t>
+            </a:r>
+            <a:r>
+              <a:rPr lang="en-US" sz="2400" b="1" dirty="0" smtClean="0">
+                <a:solidFill>
+                  <a:srgbClr val="A429F5"/>
+                </a:solidFill>
+                <a:latin typeface="Consolas" pitchFamily="49" charset="0"/>
+                <a:cs typeface="Consolas" pitchFamily="49" charset="0"/>
+              </a:rPr>
+              <a:t>eve-</a:t>
+            </a:r>
+            <a:r>
+              <a:rPr lang="en-US" sz="2400" b="1" dirty="0" err="1" smtClean="0">
+                <a:solidFill>
+                  <a:srgbClr val="A429F5"/>
+                </a:solidFill>
+                <a:latin typeface="Consolas" pitchFamily="49" charset="0"/>
+                <a:cs typeface="Consolas" pitchFamily="49" charset="0"/>
+              </a:rPr>
+              <a:t>val</a:t>
+            </a:r>
+            <a:r>
+              <a:rPr lang="en-US" sz="2400" b="1" dirty="0" smtClean="0">
+                <a:latin typeface="Consolas" pitchFamily="49" charset="0"/>
+                <a:cs typeface="Consolas" pitchFamily="49" charset="0"/>
+              </a:rPr>
+              <a:t>]</a:t>
+            </a:r>
+          </a:p>
+          <a:p>
+            <a:pPr>
+              <a:buNone/>
+            </a:pPr>
+            <a:r>
+              <a:rPr lang="en-US" sz="2400" b="1" dirty="0" smtClean="0">
+                <a:latin typeface="Consolas" pitchFamily="49" charset="0"/>
+                <a:cs typeface="Consolas" pitchFamily="49" charset="0"/>
+              </a:rPr>
+              <a:t>    [else (</a:t>
+            </a:r>
+            <a:r>
+              <a:rPr lang="en-US" sz="2400" b="1" dirty="0" smtClean="0">
+                <a:solidFill>
+                  <a:schemeClr val="accent6"/>
+                </a:solidFill>
+                <a:latin typeface="Consolas" pitchFamily="49" charset="0"/>
+                <a:cs typeface="Consolas" pitchFamily="49" charset="0"/>
+              </a:rPr>
+              <a:t>combiner</a:t>
+            </a:r>
+          </a:p>
+          <a:p>
+            <a:pPr>
+              <a:buNone/>
+            </a:pPr>
+            <a:r>
+              <a:rPr lang="en-US" sz="2400" b="1" dirty="0" smtClean="0">
+                <a:latin typeface="Consolas" pitchFamily="49" charset="0"/>
+                <a:cs typeface="Consolas" pitchFamily="49" charset="0"/>
+              </a:rPr>
+              <a:t>           (person-name p)</a:t>
+            </a:r>
+          </a:p>
+          <a:p>
+            <a:pPr>
+              <a:buNone/>
+            </a:pPr>
+            <a:r>
+              <a:rPr lang="en-US" sz="2400" b="1" dirty="0" smtClean="0">
+                <a:latin typeface="Consolas" pitchFamily="49" charset="0"/>
+                <a:cs typeface="Consolas" pitchFamily="49" charset="0"/>
+              </a:rPr>
+              <a:t>           (</a:t>
+            </a:r>
+            <a:r>
+              <a:rPr lang="en-US" sz="2400" b="1" dirty="0" smtClean="0">
+                <a:solidFill>
+                  <a:srgbClr val="FF0000"/>
+                </a:solidFill>
+                <a:latin typeface="Consolas" pitchFamily="49" charset="0"/>
+                <a:cs typeface="Consolas" pitchFamily="49" charset="0"/>
+              </a:rPr>
+              <a:t>person-fold</a:t>
+            </a:r>
+            <a:r>
+              <a:rPr lang="en-US" sz="2400" b="1" dirty="0" smtClean="0">
+                <a:latin typeface="Consolas" pitchFamily="49" charset="0"/>
+                <a:cs typeface="Consolas" pitchFamily="49" charset="0"/>
+              </a:rPr>
+              <a:t> </a:t>
+            </a:r>
+            <a:r>
+              <a:rPr lang="en-US" sz="2400" b="1" dirty="0" err="1" smtClean="0">
+                <a:solidFill>
+                  <a:srgbClr val="558ED5"/>
+                </a:solidFill>
+                <a:latin typeface="Consolas" pitchFamily="49" charset="0"/>
+                <a:cs typeface="Consolas" pitchFamily="49" charset="0"/>
+              </a:rPr>
+              <a:t>adam-val</a:t>
+            </a:r>
+            <a:r>
+              <a:rPr lang="en-US" sz="2400" b="1" dirty="0" smtClean="0">
+                <a:solidFill>
                   <a:schemeClr val="accent3"/>
                 </a:solidFill>
                 <a:latin typeface="Consolas" pitchFamily="49" charset="0"/>
                 <a:cs typeface="Consolas" pitchFamily="49" charset="0"/>
               </a:rPr>
+              <a:t> </a:t>
+            </a:r>
+            <a:r>
+              <a:rPr lang="en-US" sz="2400" b="1" dirty="0" smtClean="0">
+                <a:solidFill>
+                  <a:srgbClr val="A429F5"/>
+                </a:solidFill>
+                <a:latin typeface="Consolas" pitchFamily="49" charset="0"/>
+                <a:cs typeface="Consolas" pitchFamily="49" charset="0"/>
+              </a:rPr>
+              <a:t>eve-</a:t>
+            </a:r>
+            <a:r>
+              <a:rPr lang="en-US" sz="2400" b="1" dirty="0" err="1" smtClean="0">
+                <a:solidFill>
+                  <a:srgbClr val="A429F5"/>
+                </a:solidFill>
+                <a:latin typeface="Consolas" pitchFamily="49" charset="0"/>
+                <a:cs typeface="Consolas" pitchFamily="49" charset="0"/>
+              </a:rPr>
+              <a:t>val</a:t>
+            </a:r>
+            <a:r>
+              <a:rPr lang="en-US" sz="2400" b="1" dirty="0" smtClean="0">
+                <a:solidFill>
+                  <a:schemeClr val="accent3"/>
+                </a:solidFill>
+                <a:latin typeface="Consolas" pitchFamily="49" charset="0"/>
+                <a:cs typeface="Consolas" pitchFamily="49" charset="0"/>
+              </a:rPr>
+              <a:t> </a:t>
+            </a:r>
+            <a:r>
+              <a:rPr lang="en-US" sz="2400" b="1" dirty="0" smtClean="0">
+                <a:solidFill>
+                  <a:schemeClr val="accent6"/>
+                </a:solidFill>
+                <a:latin typeface="Consolas" pitchFamily="49" charset="0"/>
+                <a:cs typeface="Consolas" pitchFamily="49" charset="0"/>
+              </a:rPr>
+              <a:t>combiner</a:t>
+            </a:r>
+          </a:p>
+          <a:p>
+            <a:pPr>
+              <a:buNone/>
+            </a:pPr>
+            <a:r>
+              <a:rPr lang="en-US" sz="2400" b="1" dirty="0" smtClean="0">
+                <a:solidFill>
+                  <a:schemeClr val="accent6"/>
+                </a:solidFill>
+                <a:latin typeface="Consolas" pitchFamily="49" charset="0"/>
+                <a:cs typeface="Consolas" pitchFamily="49" charset="0"/>
+              </a:rPr>
+              <a:t>           </a:t>
+            </a:r>
+            <a:r>
+              <a:rPr lang="en-US" sz="2400" b="1" dirty="0" smtClean="0">
+                <a:latin typeface="Consolas" pitchFamily="49" charset="0"/>
+                <a:cs typeface="Consolas" pitchFamily="49" charset="0"/>
+              </a:rPr>
+              <a:t> (person-father p))</a:t>
+            </a:r>
+          </a:p>
+          <a:p>
+            <a:pPr>
+              <a:buNone/>
+            </a:pPr>
+            <a:r>
+              <a:rPr lang="en-US" sz="2400" b="1" dirty="0" smtClean="0">
+                <a:latin typeface="Consolas" pitchFamily="49" charset="0"/>
+                <a:cs typeface="Consolas" pitchFamily="49" charset="0"/>
+              </a:rPr>
+              <a:t>           (</a:t>
+            </a:r>
+            <a:r>
+              <a:rPr lang="en-US" sz="2400" b="1" dirty="0" smtClean="0">
+                <a:solidFill>
+                  <a:srgbClr val="FF0000"/>
+                </a:solidFill>
+                <a:latin typeface="Consolas" pitchFamily="49" charset="0"/>
+                <a:cs typeface="Consolas" pitchFamily="49" charset="0"/>
+              </a:rPr>
+              <a:t>person-fold</a:t>
+            </a:r>
+            <a:r>
+              <a:rPr lang="en-US" sz="2400" b="1" dirty="0" smtClean="0">
+                <a:latin typeface="Consolas" pitchFamily="49" charset="0"/>
+                <a:cs typeface="Consolas" pitchFamily="49" charset="0"/>
+              </a:rPr>
+              <a:t> </a:t>
+            </a:r>
+            <a:r>
+              <a:rPr lang="en-US" sz="2400" b="1" dirty="0" err="1" smtClean="0">
+                <a:solidFill>
+                  <a:srgbClr val="558ED5"/>
+                </a:solidFill>
+                <a:latin typeface="Consolas" pitchFamily="49" charset="0"/>
+                <a:cs typeface="Consolas" pitchFamily="49" charset="0"/>
+              </a:rPr>
               <a:t>adam-val</a:t>
             </a:r>
             <a:r>
               <a:rPr lang="en-US" sz="2400" b="1" dirty="0" smtClean="0">
-                <a:latin typeface="Consolas" pitchFamily="49" charset="0"/>
-                <a:cs typeface="Consolas" pitchFamily="49" charset="0"/>
-              </a:rPr>
-              <a:t>]</a:t>
-            </a:r>
-          </a:p>
-          <a:p>
-            <a:pPr>
-              <a:buNone/>
-            </a:pPr>
-            <a:r>
-              <a:rPr lang="en-US" sz="2400" b="1" dirty="0" smtClean="0">
-                <a:latin typeface="Consolas" pitchFamily="49" charset="0"/>
-                <a:cs typeface="Consolas" pitchFamily="49" charset="0"/>
-              </a:rPr>
-              <a:t>    [(eve? p) </a:t>
-            </a:r>
-            <a:r>
-              <a:rPr lang="en-US" sz="2400" b="1" dirty="0" smtClean="0">
                 <a:solidFill>
                   <a:schemeClr val="accent3"/>
                 </a:solidFill>
                 <a:latin typeface="Consolas" pitchFamily="49" charset="0"/>
                 <a:cs typeface="Consolas" pitchFamily="49" charset="0"/>
               </a:rPr>
+              <a:t> </a:t>
+            </a:r>
+            <a:r>
+              <a:rPr lang="en-US" sz="2400" b="1" dirty="0" smtClean="0">
+                <a:solidFill>
+                  <a:srgbClr val="A429F5"/>
+                </a:solidFill>
+                <a:latin typeface="Consolas" pitchFamily="49" charset="0"/>
+                <a:cs typeface="Consolas" pitchFamily="49" charset="0"/>
+              </a:rPr>
               <a:t>eve-</a:t>
             </a:r>
             <a:r>
               <a:rPr lang="en-US" sz="2400" b="1" dirty="0" err="1" smtClean="0">
                 <a:solidFill>
-                  <a:schemeClr val="accent3"/>
-                </a:solidFill>
-                <a:latin typeface="Consolas" pitchFamily="49" charset="0"/>
-                <a:cs typeface="Consolas" pitchFamily="49" charset="0"/>
-              </a:rPr>
-              <a:t>val</a:t>
-            </a:r>
-            <a:r>
-              <a:rPr lang="en-US" sz="2400" b="1" dirty="0" smtClean="0">
-                <a:latin typeface="Consolas" pitchFamily="49" charset="0"/>
-                <a:cs typeface="Consolas" pitchFamily="49" charset="0"/>
-              </a:rPr>
-              <a:t>]</a:t>
-            </a:r>
-          </a:p>
-          <a:p>
-            <a:pPr>
-              <a:buNone/>
-            </a:pPr>
-            <a:r>
-              <a:rPr lang="en-US" sz="2400" b="1" dirty="0" smtClean="0">
-                <a:latin typeface="Consolas" pitchFamily="49" charset="0"/>
-                <a:cs typeface="Consolas" pitchFamily="49" charset="0"/>
-              </a:rPr>
-              <a:t>    [else (</a:t>
-            </a:r>
-            <a:r>
-              <a:rPr lang="en-US" sz="2400" b="1" dirty="0" smtClean="0">
-                <a:solidFill>
-                  <a:schemeClr val="accent6"/>
-                </a:solidFill>
-                <a:latin typeface="Consolas" pitchFamily="49" charset="0"/>
-                <a:cs typeface="Consolas" pitchFamily="49" charset="0"/>
-              </a:rPr>
-              <a:t>combiner</a:t>
-            </a:r>
-          </a:p>
-          <a:p>
-            <a:pPr>
-              <a:buNone/>
-            </a:pPr>
-            <a:r>
-              <a:rPr lang="en-US" sz="2400" b="1" dirty="0" smtClean="0">
-                <a:latin typeface="Consolas" pitchFamily="49" charset="0"/>
-                <a:cs typeface="Consolas" pitchFamily="49" charset="0"/>
-              </a:rPr>
-              <a:t>           (person-name p)</a:t>
-            </a:r>
-          </a:p>
-          <a:p>
-            <a:pPr>
-              <a:buNone/>
-            </a:pPr>
-            <a:r>
-              <a:rPr lang="en-US" sz="2400" b="1" dirty="0" smtClean="0">
-                <a:latin typeface="Consolas" pitchFamily="49" charset="0"/>
-                <a:cs typeface="Consolas" pitchFamily="49" charset="0"/>
-              </a:rPr>
-              <a:t>           (</a:t>
-            </a:r>
-            <a:r>
-              <a:rPr lang="en-US" sz="2400" b="1" dirty="0" smtClean="0">
-                <a:solidFill>
-                  <a:srgbClr val="FF0000"/>
-                </a:solidFill>
-                <a:latin typeface="Consolas" pitchFamily="49" charset="0"/>
-                <a:cs typeface="Consolas" pitchFamily="49" charset="0"/>
-              </a:rPr>
-              <a:t>person-fold</a:t>
-            </a:r>
-            <a:r>
-              <a:rPr lang="en-US" sz="2400" b="1" dirty="0" smtClean="0">
-                <a:latin typeface="Consolas" pitchFamily="49" charset="0"/>
-                <a:cs typeface="Consolas" pitchFamily="49" charset="0"/>
-              </a:rPr>
-              <a:t> </a:t>
-            </a:r>
-            <a:r>
-              <a:rPr lang="en-US" sz="2400" b="1" dirty="0" err="1" smtClean="0">
-                <a:solidFill>
-                  <a:schemeClr val="accent3"/>
-                </a:solidFill>
-                <a:latin typeface="Consolas" pitchFamily="49" charset="0"/>
-                <a:cs typeface="Consolas" pitchFamily="49" charset="0"/>
-              </a:rPr>
-              <a:t>adam-val</a:t>
-            </a:r>
-            <a:r>
-              <a:rPr lang="en-US" sz="2400" b="1" dirty="0" smtClean="0">
-                <a:solidFill>
-                  <a:schemeClr val="accent3"/>
-                </a:solidFill>
-                <a:latin typeface="Consolas" pitchFamily="49" charset="0"/>
-                <a:cs typeface="Consolas" pitchFamily="49" charset="0"/>
-              </a:rPr>
-              <a:t> eve-</a:t>
-            </a:r>
-            <a:r>
-              <a:rPr lang="en-US" sz="2400" b="1" dirty="0" err="1" smtClean="0">
-                <a:solidFill>
-                  <a:schemeClr val="accent3"/>
-                </a:solidFill>
-                <a:latin typeface="Consolas" pitchFamily="49" charset="0"/>
-                <a:cs typeface="Consolas" pitchFamily="49" charset="0"/>
-              </a:rPr>
-              <a:t>val</a:t>
-            </a:r>
-            <a:r>
-              <a:rPr lang="en-US" sz="2400" b="1" dirty="0" smtClean="0">
-                <a:solidFill>
-                  <a:schemeClr val="accent3"/>
-                </a:solidFill>
-                <a:latin typeface="Consolas" pitchFamily="49" charset="0"/>
-                <a:cs typeface="Consolas" pitchFamily="49" charset="0"/>
-              </a:rPr>
-              <a:t> </a:t>
-            </a:r>
-            <a:r>
-              <a:rPr lang="en-US" sz="2400" b="1" dirty="0" smtClean="0">
-                <a:solidFill>
-                  <a:schemeClr val="accent6"/>
-                </a:solidFill>
-                <a:latin typeface="Consolas" pitchFamily="49" charset="0"/>
-                <a:cs typeface="Consolas" pitchFamily="49" charset="0"/>
-              </a:rPr>
-              <a:t>combiner</a:t>
-            </a:r>
-          </a:p>
-          <a:p>
-            <a:pPr>
-              <a:buNone/>
-            </a:pPr>
-            <a:r>
-              <a:rPr lang="en-US" sz="2400" b="1" dirty="0" smtClean="0">
-                <a:solidFill>
-                  <a:schemeClr val="accent6"/>
-                </a:solidFill>
-                <a:latin typeface="Consolas" pitchFamily="49" charset="0"/>
-                <a:cs typeface="Consolas" pitchFamily="49" charset="0"/>
-              </a:rPr>
-              <a:t>           </a:t>
-            </a:r>
-            <a:r>
-              <a:rPr lang="en-US" sz="2400" b="1" dirty="0" smtClean="0">
-                <a:latin typeface="Consolas" pitchFamily="49" charset="0"/>
-                <a:cs typeface="Consolas" pitchFamily="49" charset="0"/>
-              </a:rPr>
-              <a:t> (person-father p))</a:t>
-            </a:r>
-          </a:p>
-          <a:p>
-            <a:pPr>
-              <a:buNone/>
-            </a:pPr>
-            <a:r>
-              <a:rPr lang="en-US" sz="2400" b="1" dirty="0" smtClean="0">
-                <a:latin typeface="Consolas" pitchFamily="49" charset="0"/>
-                <a:cs typeface="Consolas" pitchFamily="49" charset="0"/>
-              </a:rPr>
-              <a:t>           (</a:t>
-            </a:r>
-            <a:r>
-              <a:rPr lang="en-US" sz="2400" b="1" dirty="0" smtClean="0">
-                <a:solidFill>
-                  <a:srgbClr val="FF0000"/>
-                </a:solidFill>
-                <a:latin typeface="Consolas" pitchFamily="49" charset="0"/>
-                <a:cs typeface="Consolas" pitchFamily="49" charset="0"/>
-              </a:rPr>
-              <a:t>person-fold</a:t>
-            </a:r>
-            <a:r>
-              <a:rPr lang="en-US" sz="2400" b="1" dirty="0" smtClean="0">
-                <a:latin typeface="Consolas" pitchFamily="49" charset="0"/>
-                <a:cs typeface="Consolas" pitchFamily="49" charset="0"/>
-              </a:rPr>
-              <a:t> </a:t>
-            </a:r>
-            <a:r>
-              <a:rPr lang="en-US" sz="2400" b="1" dirty="0" err="1" smtClean="0">
-                <a:solidFill>
-                  <a:schemeClr val="accent3"/>
-                </a:solidFill>
-                <a:latin typeface="Consolas" pitchFamily="49" charset="0"/>
-                <a:cs typeface="Consolas" pitchFamily="49" charset="0"/>
-              </a:rPr>
-              <a:t>adam-val</a:t>
-            </a:r>
-            <a:r>
-              <a:rPr lang="en-US" sz="2400" b="1" dirty="0" smtClean="0">
-                <a:solidFill>
-                  <a:schemeClr val="accent3"/>
-                </a:solidFill>
-                <a:latin typeface="Consolas" pitchFamily="49" charset="0"/>
-                <a:cs typeface="Consolas" pitchFamily="49" charset="0"/>
-              </a:rPr>
-              <a:t> eve-</a:t>
-            </a:r>
-            <a:r>
-              <a:rPr lang="en-US" sz="2400" b="1" dirty="0" err="1" smtClean="0">
-                <a:solidFill>
-                  <a:schemeClr val="accent3"/>
+                  <a:srgbClr val="A429F5"/>
                 </a:solidFill>
                 <a:latin typeface="Consolas" pitchFamily="49" charset="0"/>
                 <a:cs typeface="Consolas" pitchFamily="49" charset="0"/>
@@ -9374,7 +9437,21 @@
           <a:p>
             <a:r>
               <a:rPr lang="en-US" dirty="0" smtClean="0"/>
-              <a:t>If you have questions about this lesson, ask them on the Discussion Board</a:t>
+              <a:t>Study the file 06-3-tree-folds.rkt in the </a:t>
+            </a:r>
+            <a:r>
+              <a:rPr lang="en-US" smtClean="0"/>
+              <a:t>Examples folder.</a:t>
+            </a:r>
+          </a:p>
+          <a:p>
+            <a:r>
+              <a:rPr lang="en-US" dirty="0" smtClean="0"/>
+              <a:t>If </a:t>
+            </a:r>
+            <a:r>
+              <a:rPr lang="en-US" dirty="0" smtClean="0"/>
+              <a:t>you have questions about this lesson, ask them on the Discussion Board</a:t>
             </a:r>
           </a:p>
           <a:p>
@@ -11141,7 +11218,10 @@
             <a:r>
               <a:rPr lang="en-US" sz="2400" b="1" dirty="0" smtClean="0">
                 <a:solidFill>
-                  <a:schemeClr val="accent3"/>
+                  <a:schemeClr val="tx2">
+                    <a:lumMod val="60000"/>
+                    <a:lumOff val="40000"/>
+                  </a:schemeClr>
                 </a:solidFill>
                 <a:latin typeface="Consolas" pitchFamily="49" charset="0"/>
                 <a:cs typeface="Consolas" pitchFamily="49" charset="0"/>
@@ -11349,7 +11429,7 @@
                   <a:schemeClr val="tx1"/>
                 </a:solidFill>
               </a:rPr>
-              <a:t>Two blanks: one green and one orange</a:t>
+              <a:t>Two blanks: one blue and one orange</a:t>
             </a:r>
           </a:p>
         </p:txBody>
@@ -11501,7 +11581,7 @@
           <a:p>
             <a:r>
               <a:rPr lang="en-US" dirty="0" smtClean="0"/>
-              <a:t>Observe that the template has two blanks: the green one and the orange one.</a:t>
+              <a:t>Observe that the template has two blanks: the blue one and the orange one.</a:t>
             </a:r>
           </a:p>
           <a:p>
@@ -11686,7 +11766,7 @@
             <a:r>
               <a:rPr lang="en-US" sz="2400" b="1" dirty="0" smtClean="0">
                 <a:solidFill>
-                  <a:schemeClr val="accent3"/>
+                  <a:srgbClr val="558ED5"/>
                 </a:solidFill>
                 <a:latin typeface="Consolas" pitchFamily="49" charset="0"/>
                 <a:cs typeface="Consolas" pitchFamily="49" charset="0"/>
@@ -11787,7 +11867,7 @@
             <a:r>
               <a:rPr lang="en-US" sz="2400" b="1" dirty="0" smtClean="0">
                 <a:solidFill>
-                  <a:schemeClr val="accent3"/>
+                  <a:srgbClr val="558ED5"/>
                 </a:solidFill>
                 <a:latin typeface="Consolas" pitchFamily="49" charset="0"/>
                 <a:cs typeface="Consolas" pitchFamily="49" charset="0"/>
@@ -11826,7 +11906,7 @@
             <a:r>
               <a:rPr lang="en-US" sz="2400" b="1" dirty="0" smtClean="0">
                 <a:solidFill>
-                  <a:schemeClr val="accent3"/>
+                  <a:srgbClr val="558ED5"/>
                 </a:solidFill>
                 <a:latin typeface="Consolas" pitchFamily="49" charset="0"/>
                 <a:cs typeface="Consolas" pitchFamily="49" charset="0"/>
@@ -11918,7 +11998,7 @@
             <a:r>
               <a:rPr lang="en-US" sz="2400" b="1" dirty="0" smtClean="0">
                 <a:solidFill>
-                  <a:schemeClr val="accent3"/>
+                  <a:srgbClr val="558ED5"/>
                 </a:solidFill>
                 <a:latin typeface="Consolas" pitchFamily="49" charset="0"/>
                 <a:cs typeface="Consolas" pitchFamily="49" charset="0"/>
@@ -12311,7 +12391,7 @@
             <a:r>
               <a:rPr lang="en-US" sz="2400" b="1" dirty="0" smtClean="0">
                 <a:solidFill>
-                  <a:schemeClr val="accent3"/>
+                  <a:srgbClr val="558ED5"/>
                 </a:solidFill>
                 <a:latin typeface="Consolas" pitchFamily="49" charset="0"/>
                 <a:cs typeface="Consolas" pitchFamily="49" charset="0"/>
@@ -12518,7 +12598,7 @@
             <a:r>
               <a:rPr lang="en-US" b="1" dirty="0">
                 <a:solidFill>
-                  <a:schemeClr val="accent3"/>
+                  <a:srgbClr val="558ED5"/>
                 </a:solidFill>
               </a:rPr>
               <a:t>combiner</a:t>
@@ -12529,7 +12609,39 @@
                   <a:schemeClr val="tx1"/>
                 </a:solidFill>
               </a:rPr>
-              <a:t> (in green) for the green blank and </a:t>
+              <a:t> (in </a:t>
+            </a:r>
+            <a:r>
+              <a:rPr lang="en-US" dirty="0" smtClean="0">
+                <a:solidFill>
+                  <a:schemeClr val="tx1"/>
+                </a:solidFill>
+              </a:rPr>
+              <a:t>blue) </a:t>
+            </a:r>
+            <a:r>
+              <a:rPr lang="en-US" dirty="0">
+                <a:solidFill>
+                  <a:schemeClr val="tx1"/>
+                </a:solidFill>
+              </a:rPr>
+              <a:t>for the </a:t>
+            </a:r>
+            <a:r>
+              <a:rPr lang="en-US" dirty="0" smtClean="0">
+                <a:solidFill>
+                  <a:schemeClr val="tx1"/>
+                </a:solidFill>
+              </a:rPr>
+              <a:t>blue </a:t>
+            </a:r>
+            <a:r>
+              <a:rPr lang="en-US" dirty="0">
+                <a:solidFill>
+                  <a:schemeClr val="tx1"/>
+                </a:solidFill>
+              </a:rPr>
+              <a:t>blank and </a:t>
             </a:r>
             <a:r>
               <a:rPr lang="en-US" b="1" dirty="0">
@@ -12794,12 +12906,22 @@
             <a:r>
               <a:rPr lang="en-US" sz="2400" b="1" dirty="0" smtClean="0">
                 <a:solidFill>
+                  <a:srgbClr val="558ED5"/>
+                </a:solidFill>
+                <a:latin typeface="Consolas" pitchFamily="49" charset="0"/>
+                <a:cs typeface="Consolas" pitchFamily="49" charset="0"/>
+              </a:rPr>
+              <a:t>(X X -&gt; X)</a:t>
+            </a:r>
+            <a:r>
+              <a:rPr lang="en-US" sz="2400" b="1" dirty="0" smtClean="0">
+                <a:solidFill>
                   <a:schemeClr val="accent3"/>
                 </a:solidFill>
                 <a:latin typeface="Consolas" pitchFamily="49" charset="0"/>
                 <a:cs typeface="Consolas" pitchFamily="49" charset="0"/>
               </a:rPr>
-              <a:t>(X X -&gt; X) </a:t>
+              <a:t> </a:t>
             </a:r>
             <a:r>
               <a:rPr lang="en-US" sz="2400" b="1" dirty="0" smtClean="0">
@@ -12843,7 +12965,7 @@
             <a:r>
               <a:rPr lang="en-US" sz="2400" b="1" dirty="0" smtClean="0">
                 <a:solidFill>
-                  <a:schemeClr val="accent3"/>
+                  <a:srgbClr val="558ED5"/>
                 </a:solidFill>
                 <a:latin typeface="Consolas" pitchFamily="49" charset="0"/>
                 <a:cs typeface="Consolas" pitchFamily="49" charset="0"/>
@@ -12944,7 +13066,7 @@
             <a:r>
               <a:rPr lang="en-US" sz="2400" b="1" dirty="0" smtClean="0">
                 <a:solidFill>
-                  <a:schemeClr val="accent3"/>
+                  <a:srgbClr val="558ED5"/>
                 </a:solidFill>
                 <a:latin typeface="Consolas" pitchFamily="49" charset="0"/>
                 <a:cs typeface="Consolas" pitchFamily="49" charset="0"/>
@@ -12983,7 +13105,7 @@
             <a:r>
               <a:rPr lang="en-US" sz="2400" b="1" dirty="0" smtClean="0">
                 <a:solidFill>
-                  <a:schemeClr val="accent3"/>
+                  <a:srgbClr val="558ED5"/>
                 </a:solidFill>
                 <a:latin typeface="Consolas" pitchFamily="49" charset="0"/>
                 <a:cs typeface="Consolas" pitchFamily="49" charset="0"/>
@@ -13075,7 +13197,7 @@
             <a:r>
               <a:rPr lang="en-US" sz="2400" b="1" dirty="0" smtClean="0">
                 <a:solidFill>
-                  <a:schemeClr val="accent3"/>
+                  <a:srgbClr val="558ED5"/>
                 </a:solidFill>
                 <a:latin typeface="Consolas" pitchFamily="49" charset="0"/>
                 <a:cs typeface="Consolas" pitchFamily="49" charset="0"/>
@@ -13268,7 +13390,7 @@
             <a:r>
               <a:rPr lang="en-US" b="1" dirty="0" smtClean="0">
                 <a:solidFill>
-                  <a:schemeClr val="accent3"/>
+                  <a:srgbClr val="558ED5"/>
                 </a:solidFill>
                 <a:latin typeface="Consolas" pitchFamily="49" charset="0"/>
                 <a:cs typeface="Consolas" pitchFamily="49" charset="0"/>
@@ -13278,7 +13400,7 @@
             <a:r>
               <a:rPr lang="en-US" b="1" dirty="0" err="1" smtClean="0">
                 <a:solidFill>
-                  <a:schemeClr val="accent3"/>
+                  <a:srgbClr val="558ED5"/>
                 </a:solidFill>
                 <a:latin typeface="Consolas" pitchFamily="49" charset="0"/>
                 <a:cs typeface="Consolas" pitchFamily="49" charset="0"/>
@@ -13288,7 +13410,7 @@
             <a:r>
               <a:rPr lang="en-US" b="1" dirty="0" smtClean="0">
                 <a:solidFill>
-                  <a:schemeClr val="accent3"/>
+                  <a:srgbClr val="558ED5"/>
                 </a:solidFill>
                 <a:latin typeface="Consolas" pitchFamily="49" charset="0"/>
                 <a:cs typeface="Consolas" pitchFamily="49" charset="0"/>
@@ -13297,7 +13419,7 @@
             </a:r>
             <a:endParaRPr lang="en-US" dirty="0" smtClean="0">
               <a:solidFill>
-                <a:schemeClr val="tx1"/>
+                <a:srgbClr val="558ED5"/>
               </a:solidFill>
             </a:endParaRPr>
           </a:p>
@@ -14100,7 +14222,7 @@
             <a:r>
               <a:rPr lang="en-US" b="1" dirty="0" smtClean="0">
                 <a:solidFill>
-                  <a:srgbClr val="92D050"/>
+                  <a:srgbClr val="558ED5"/>
                 </a:solidFill>
                 <a:latin typeface="Consolas" pitchFamily="49" charset="0"/>
                 <a:cs typeface="Consolas" pitchFamily="49" charset="0"/>
@@ -14109,7 +14231,7 @@
             </a:r>
             <a:endParaRPr lang="en-US" b="1" dirty="0">
               <a:solidFill>
-                <a:srgbClr val="92D050"/>
+                <a:srgbClr val="558ED5"/>
               </a:solidFill>
               <a:latin typeface="Consolas" pitchFamily="49" charset="0"/>
               <a:cs typeface="Consolas" pitchFamily="49" charset="0"/>
@@ -14360,15 +14482,7 @@
                   <a:schemeClr val="tx1"/>
                 </a:solidFill>
               </a:rPr>
-              <a:t>returns </a:t>
-            </a:r>
-            <a:r>
-              <a:rPr lang="en-US" sz="1400" smtClean="0">
-                <a:solidFill>
-                  <a:schemeClr val="tx1"/>
-                </a:solidFill>
-              </a:rPr>
-              <a:t>a </a:t>
+              <a:t>returns a </a:t>
             </a:r>
             <a:r>
               <a:rPr lang="en-US" sz="1400" dirty="0" smtClean="0">
